--- a/stage2/interface web doc.pptx
+++ b/stage2/interface web doc.pptx
@@ -5,13 +5,14 @@
     <p:sldMasterId id="2147483648" r:id="rId1"/>
   </p:sldMasterIdLst>
   <p:sldIdLst>
-    <p:sldId id="256" r:id="rId2"/>
-    <p:sldId id="257" r:id="rId3"/>
-    <p:sldId id="258" r:id="rId4"/>
-    <p:sldId id="259" r:id="rId5"/>
-    <p:sldId id="260" r:id="rId6"/>
-    <p:sldId id="261" r:id="rId7"/>
-    <p:sldId id="262" r:id="rId8"/>
+    <p:sldId id="263" r:id="rId2"/>
+    <p:sldId id="256" r:id="rId3"/>
+    <p:sldId id="257" r:id="rId4"/>
+    <p:sldId id="258" r:id="rId5"/>
+    <p:sldId id="259" r:id="rId6"/>
+    <p:sldId id="260" r:id="rId7"/>
+    <p:sldId id="261" r:id="rId8"/>
+    <p:sldId id="262" r:id="rId9"/>
   </p:sldIdLst>
   <p:sldSz cx="12192000" cy="6858000"/>
   <p:notesSz cx="6858000" cy="9144000"/>
@@ -135,7 +136,7 @@
           <p:cNvPr id="2" name="Titre 1">
             <a:extLst>
               <a:ext uri="{FF2B5EF4-FFF2-40B4-BE49-F238E27FC236}">
-                <a16:creationId xmlns:a16="http://schemas.microsoft.com/office/drawing/2014/main" id="{CDEF1CE1-3E8A-58F0-49CF-FBBDF6C185EA}"/>
+                <a16:creationId xmlns:a16="http://schemas.microsoft.com/office/drawing/2014/main" xmlns="" id="{CDEF1CE1-3E8A-58F0-49CF-FBBDF6C185EA}"/>
               </a:ext>
             </a:extLst>
           </p:cNvPr>
@@ -172,7 +173,7 @@
           <p:cNvPr id="3" name="Sous-titre 2">
             <a:extLst>
               <a:ext uri="{FF2B5EF4-FFF2-40B4-BE49-F238E27FC236}">
-                <a16:creationId xmlns:a16="http://schemas.microsoft.com/office/drawing/2014/main" id="{60636BDA-DFE9-7A91-463E-4DE0F3B31B18}"/>
+                <a16:creationId xmlns:a16="http://schemas.microsoft.com/office/drawing/2014/main" xmlns="" id="{60636BDA-DFE9-7A91-463E-4DE0F3B31B18}"/>
               </a:ext>
             </a:extLst>
           </p:cNvPr>
@@ -242,7 +243,7 @@
           <p:cNvPr id="4" name="Espace réservé de la date 3">
             <a:extLst>
               <a:ext uri="{FF2B5EF4-FFF2-40B4-BE49-F238E27FC236}">
-                <a16:creationId xmlns:a16="http://schemas.microsoft.com/office/drawing/2014/main" id="{D3802D15-7B8A-0D01-E0DF-D08E44903C05}"/>
+                <a16:creationId xmlns:a16="http://schemas.microsoft.com/office/drawing/2014/main" xmlns="" id="{D3802D15-7B8A-0D01-E0DF-D08E44903C05}"/>
               </a:ext>
             </a:extLst>
           </p:cNvPr>
@@ -260,7 +261,8 @@
           <a:p>
             <a:fld id="{36CF5CCB-BF6A-4A91-8133-EA608464C802}" type="datetimeFigureOut">
               <a:rPr lang="fr-FR" smtClean="0"/>
-              <a:t>01/04/2024</a:t>
+              <a:pPr/>
+              <a:t>03/04/2024</a:t>
             </a:fld>
             <a:endParaRPr lang="fr-FR"/>
           </a:p>
@@ -271,7 +273,7 @@
           <p:cNvPr id="5" name="Espace réservé du pied de page 4">
             <a:extLst>
               <a:ext uri="{FF2B5EF4-FFF2-40B4-BE49-F238E27FC236}">
-                <a16:creationId xmlns:a16="http://schemas.microsoft.com/office/drawing/2014/main" id="{9B7D6A3B-CC6F-6292-23D4-54822313766B}"/>
+                <a16:creationId xmlns:a16="http://schemas.microsoft.com/office/drawing/2014/main" xmlns="" id="{9B7D6A3B-CC6F-6292-23D4-54822313766B}"/>
               </a:ext>
             </a:extLst>
           </p:cNvPr>
@@ -296,7 +298,7 @@
           <p:cNvPr id="6" name="Espace réservé du numéro de diapositive 5">
             <a:extLst>
               <a:ext uri="{FF2B5EF4-FFF2-40B4-BE49-F238E27FC236}">
-                <a16:creationId xmlns:a16="http://schemas.microsoft.com/office/drawing/2014/main" id="{35C7C89A-6296-F4CE-5841-D311F72032FE}"/>
+                <a16:creationId xmlns:a16="http://schemas.microsoft.com/office/drawing/2014/main" xmlns="" id="{35C7C89A-6296-F4CE-5841-D311F72032FE}"/>
               </a:ext>
             </a:extLst>
           </p:cNvPr>
@@ -314,6 +316,7 @@
           <a:p>
             <a:fld id="{9CF4A039-6E19-4FA5-AAD3-748B5D2086FD}" type="slidenum">
               <a:rPr lang="fr-FR" smtClean="0"/>
+              <a:pPr/>
               <a:t>‹N°›</a:t>
             </a:fld>
             <a:endParaRPr lang="fr-FR"/>
@@ -323,7 +326,7 @@
     </p:spTree>
     <p:extLst>
       <p:ext uri="{BB962C8B-B14F-4D97-AF65-F5344CB8AC3E}">
-        <p14:creationId xmlns:p14="http://schemas.microsoft.com/office/powerpoint/2010/main" val="2632918698"/>
+        <p14:creationId xmlns:p14="http://schemas.microsoft.com/office/powerpoint/2010/main" xmlns="" val="2632918698"/>
       </p:ext>
     </p:extLst>
   </p:cSld>
@@ -355,7 +358,7 @@
           <p:cNvPr id="2" name="Titre 1">
             <a:extLst>
               <a:ext uri="{FF2B5EF4-FFF2-40B4-BE49-F238E27FC236}">
-                <a16:creationId xmlns:a16="http://schemas.microsoft.com/office/drawing/2014/main" id="{4412D71E-3A79-CA41-499B-0D03CCBA1ADE}"/>
+                <a16:creationId xmlns:a16="http://schemas.microsoft.com/office/drawing/2014/main" xmlns="" id="{4412D71E-3A79-CA41-499B-0D03CCBA1ADE}"/>
               </a:ext>
             </a:extLst>
           </p:cNvPr>
@@ -383,7 +386,7 @@
           <p:cNvPr id="3" name="Espace réservé du texte vertical 2">
             <a:extLst>
               <a:ext uri="{FF2B5EF4-FFF2-40B4-BE49-F238E27FC236}">
-                <a16:creationId xmlns:a16="http://schemas.microsoft.com/office/drawing/2014/main" id="{CFCC31ED-7D06-DB0C-FBBA-AAC05BAE73F7}"/>
+                <a16:creationId xmlns:a16="http://schemas.microsoft.com/office/drawing/2014/main" xmlns="" id="{CFCC31ED-7D06-DB0C-FBBA-AAC05BAE73F7}"/>
               </a:ext>
             </a:extLst>
           </p:cNvPr>
@@ -440,7 +443,7 @@
           <p:cNvPr id="4" name="Espace réservé de la date 3">
             <a:extLst>
               <a:ext uri="{FF2B5EF4-FFF2-40B4-BE49-F238E27FC236}">
-                <a16:creationId xmlns:a16="http://schemas.microsoft.com/office/drawing/2014/main" id="{90A6D696-A7FC-25F0-AA59-6F6FD3A40FC5}"/>
+                <a16:creationId xmlns:a16="http://schemas.microsoft.com/office/drawing/2014/main" xmlns="" id="{90A6D696-A7FC-25F0-AA59-6F6FD3A40FC5}"/>
               </a:ext>
             </a:extLst>
           </p:cNvPr>
@@ -458,7 +461,8 @@
           <a:p>
             <a:fld id="{36CF5CCB-BF6A-4A91-8133-EA608464C802}" type="datetimeFigureOut">
               <a:rPr lang="fr-FR" smtClean="0"/>
-              <a:t>01/04/2024</a:t>
+              <a:pPr/>
+              <a:t>03/04/2024</a:t>
             </a:fld>
             <a:endParaRPr lang="fr-FR"/>
           </a:p>
@@ -469,7 +473,7 @@
           <p:cNvPr id="5" name="Espace réservé du pied de page 4">
             <a:extLst>
               <a:ext uri="{FF2B5EF4-FFF2-40B4-BE49-F238E27FC236}">
-                <a16:creationId xmlns:a16="http://schemas.microsoft.com/office/drawing/2014/main" id="{5DEF51F4-B67A-66CE-8EE3-E9B227E5EAEA}"/>
+                <a16:creationId xmlns:a16="http://schemas.microsoft.com/office/drawing/2014/main" xmlns="" id="{5DEF51F4-B67A-66CE-8EE3-E9B227E5EAEA}"/>
               </a:ext>
             </a:extLst>
           </p:cNvPr>
@@ -494,7 +498,7 @@
           <p:cNvPr id="6" name="Espace réservé du numéro de diapositive 5">
             <a:extLst>
               <a:ext uri="{FF2B5EF4-FFF2-40B4-BE49-F238E27FC236}">
-                <a16:creationId xmlns:a16="http://schemas.microsoft.com/office/drawing/2014/main" id="{DB8C6185-EB66-1B52-16ED-02337E748D38}"/>
+                <a16:creationId xmlns:a16="http://schemas.microsoft.com/office/drawing/2014/main" xmlns="" id="{DB8C6185-EB66-1B52-16ED-02337E748D38}"/>
               </a:ext>
             </a:extLst>
           </p:cNvPr>
@@ -512,6 +516,7 @@
           <a:p>
             <a:fld id="{9CF4A039-6E19-4FA5-AAD3-748B5D2086FD}" type="slidenum">
               <a:rPr lang="fr-FR" smtClean="0"/>
+              <a:pPr/>
               <a:t>‹N°›</a:t>
             </a:fld>
             <a:endParaRPr lang="fr-FR"/>
@@ -521,7 +526,7 @@
     </p:spTree>
     <p:extLst>
       <p:ext uri="{BB962C8B-B14F-4D97-AF65-F5344CB8AC3E}">
-        <p14:creationId xmlns:p14="http://schemas.microsoft.com/office/powerpoint/2010/main" val="3412293061"/>
+        <p14:creationId xmlns:p14="http://schemas.microsoft.com/office/powerpoint/2010/main" xmlns="" val="3412293061"/>
       </p:ext>
     </p:extLst>
   </p:cSld>
@@ -553,7 +558,7 @@
           <p:cNvPr id="2" name="Titre vertical 1">
             <a:extLst>
               <a:ext uri="{FF2B5EF4-FFF2-40B4-BE49-F238E27FC236}">
-                <a16:creationId xmlns:a16="http://schemas.microsoft.com/office/drawing/2014/main" id="{97796737-7FF5-A9C6-E4CC-5EF6C1D3AA79}"/>
+                <a16:creationId xmlns:a16="http://schemas.microsoft.com/office/drawing/2014/main" xmlns="" id="{97796737-7FF5-A9C6-E4CC-5EF6C1D3AA79}"/>
               </a:ext>
             </a:extLst>
           </p:cNvPr>
@@ -586,7 +591,7 @@
           <p:cNvPr id="3" name="Espace réservé du texte vertical 2">
             <a:extLst>
               <a:ext uri="{FF2B5EF4-FFF2-40B4-BE49-F238E27FC236}">
-                <a16:creationId xmlns:a16="http://schemas.microsoft.com/office/drawing/2014/main" id="{631411AC-4377-7693-ED75-D26E79E5C5E5}"/>
+                <a16:creationId xmlns:a16="http://schemas.microsoft.com/office/drawing/2014/main" xmlns="" id="{631411AC-4377-7693-ED75-D26E79E5C5E5}"/>
               </a:ext>
             </a:extLst>
           </p:cNvPr>
@@ -648,7 +653,7 @@
           <p:cNvPr id="4" name="Espace réservé de la date 3">
             <a:extLst>
               <a:ext uri="{FF2B5EF4-FFF2-40B4-BE49-F238E27FC236}">
-                <a16:creationId xmlns:a16="http://schemas.microsoft.com/office/drawing/2014/main" id="{8768D0A3-C13C-16A2-263D-800831A557E2}"/>
+                <a16:creationId xmlns:a16="http://schemas.microsoft.com/office/drawing/2014/main" xmlns="" id="{8768D0A3-C13C-16A2-263D-800831A557E2}"/>
               </a:ext>
             </a:extLst>
           </p:cNvPr>
@@ -666,7 +671,8 @@
           <a:p>
             <a:fld id="{36CF5CCB-BF6A-4A91-8133-EA608464C802}" type="datetimeFigureOut">
               <a:rPr lang="fr-FR" smtClean="0"/>
-              <a:t>01/04/2024</a:t>
+              <a:pPr/>
+              <a:t>03/04/2024</a:t>
             </a:fld>
             <a:endParaRPr lang="fr-FR"/>
           </a:p>
@@ -677,7 +683,7 @@
           <p:cNvPr id="5" name="Espace réservé du pied de page 4">
             <a:extLst>
               <a:ext uri="{FF2B5EF4-FFF2-40B4-BE49-F238E27FC236}">
-                <a16:creationId xmlns:a16="http://schemas.microsoft.com/office/drawing/2014/main" id="{8E3B9A59-FB87-48AA-AC71-A5968AE60256}"/>
+                <a16:creationId xmlns:a16="http://schemas.microsoft.com/office/drawing/2014/main" xmlns="" id="{8E3B9A59-FB87-48AA-AC71-A5968AE60256}"/>
               </a:ext>
             </a:extLst>
           </p:cNvPr>
@@ -702,7 +708,7 @@
           <p:cNvPr id="6" name="Espace réservé du numéro de diapositive 5">
             <a:extLst>
               <a:ext uri="{FF2B5EF4-FFF2-40B4-BE49-F238E27FC236}">
-                <a16:creationId xmlns:a16="http://schemas.microsoft.com/office/drawing/2014/main" id="{34EFB9D6-14D5-591D-A103-2555A498FFA8}"/>
+                <a16:creationId xmlns:a16="http://schemas.microsoft.com/office/drawing/2014/main" xmlns="" id="{34EFB9D6-14D5-591D-A103-2555A498FFA8}"/>
               </a:ext>
             </a:extLst>
           </p:cNvPr>
@@ -720,6 +726,7 @@
           <a:p>
             <a:fld id="{9CF4A039-6E19-4FA5-AAD3-748B5D2086FD}" type="slidenum">
               <a:rPr lang="fr-FR" smtClean="0"/>
+              <a:pPr/>
               <a:t>‹N°›</a:t>
             </a:fld>
             <a:endParaRPr lang="fr-FR"/>
@@ -729,7 +736,7 @@
     </p:spTree>
     <p:extLst>
       <p:ext uri="{BB962C8B-B14F-4D97-AF65-F5344CB8AC3E}">
-        <p14:creationId xmlns:p14="http://schemas.microsoft.com/office/powerpoint/2010/main" val="3747650550"/>
+        <p14:creationId xmlns:p14="http://schemas.microsoft.com/office/powerpoint/2010/main" xmlns="" val="3747650550"/>
       </p:ext>
     </p:extLst>
   </p:cSld>
@@ -761,7 +768,7 @@
           <p:cNvPr id="2" name="Titre 1">
             <a:extLst>
               <a:ext uri="{FF2B5EF4-FFF2-40B4-BE49-F238E27FC236}">
-                <a16:creationId xmlns:a16="http://schemas.microsoft.com/office/drawing/2014/main" id="{010ED04F-92AE-5731-2A43-DB49426DE5F1}"/>
+                <a16:creationId xmlns:a16="http://schemas.microsoft.com/office/drawing/2014/main" xmlns="" id="{010ED04F-92AE-5731-2A43-DB49426DE5F1}"/>
               </a:ext>
             </a:extLst>
           </p:cNvPr>
@@ -789,7 +796,7 @@
           <p:cNvPr id="3" name="Espace réservé du contenu 2">
             <a:extLst>
               <a:ext uri="{FF2B5EF4-FFF2-40B4-BE49-F238E27FC236}">
-                <a16:creationId xmlns:a16="http://schemas.microsoft.com/office/drawing/2014/main" id="{B6553A06-D624-54B7-7EEE-3CACB68E7E47}"/>
+                <a16:creationId xmlns:a16="http://schemas.microsoft.com/office/drawing/2014/main" xmlns="" id="{B6553A06-D624-54B7-7EEE-3CACB68E7E47}"/>
               </a:ext>
             </a:extLst>
           </p:cNvPr>
@@ -846,7 +853,7 @@
           <p:cNvPr id="4" name="Espace réservé de la date 3">
             <a:extLst>
               <a:ext uri="{FF2B5EF4-FFF2-40B4-BE49-F238E27FC236}">
-                <a16:creationId xmlns:a16="http://schemas.microsoft.com/office/drawing/2014/main" id="{A1969E1E-B484-5BAD-5313-D9C292286F17}"/>
+                <a16:creationId xmlns:a16="http://schemas.microsoft.com/office/drawing/2014/main" xmlns="" id="{A1969E1E-B484-5BAD-5313-D9C292286F17}"/>
               </a:ext>
             </a:extLst>
           </p:cNvPr>
@@ -864,7 +871,8 @@
           <a:p>
             <a:fld id="{36CF5CCB-BF6A-4A91-8133-EA608464C802}" type="datetimeFigureOut">
               <a:rPr lang="fr-FR" smtClean="0"/>
-              <a:t>01/04/2024</a:t>
+              <a:pPr/>
+              <a:t>03/04/2024</a:t>
             </a:fld>
             <a:endParaRPr lang="fr-FR"/>
           </a:p>
@@ -875,7 +883,7 @@
           <p:cNvPr id="5" name="Espace réservé du pied de page 4">
             <a:extLst>
               <a:ext uri="{FF2B5EF4-FFF2-40B4-BE49-F238E27FC236}">
-                <a16:creationId xmlns:a16="http://schemas.microsoft.com/office/drawing/2014/main" id="{4FBEB417-771A-03F2-96EF-21A389A5D765}"/>
+                <a16:creationId xmlns:a16="http://schemas.microsoft.com/office/drawing/2014/main" xmlns="" id="{4FBEB417-771A-03F2-96EF-21A389A5D765}"/>
               </a:ext>
             </a:extLst>
           </p:cNvPr>
@@ -900,7 +908,7 @@
           <p:cNvPr id="6" name="Espace réservé du numéro de diapositive 5">
             <a:extLst>
               <a:ext uri="{FF2B5EF4-FFF2-40B4-BE49-F238E27FC236}">
-                <a16:creationId xmlns:a16="http://schemas.microsoft.com/office/drawing/2014/main" id="{206F029A-ECDE-2DF6-462A-B0D57E754B32}"/>
+                <a16:creationId xmlns:a16="http://schemas.microsoft.com/office/drawing/2014/main" xmlns="" id="{206F029A-ECDE-2DF6-462A-B0D57E754B32}"/>
               </a:ext>
             </a:extLst>
           </p:cNvPr>
@@ -918,6 +926,7 @@
           <a:p>
             <a:fld id="{9CF4A039-6E19-4FA5-AAD3-748B5D2086FD}" type="slidenum">
               <a:rPr lang="fr-FR" smtClean="0"/>
+              <a:pPr/>
               <a:t>‹N°›</a:t>
             </a:fld>
             <a:endParaRPr lang="fr-FR"/>
@@ -927,7 +936,7 @@
     </p:spTree>
     <p:extLst>
       <p:ext uri="{BB962C8B-B14F-4D97-AF65-F5344CB8AC3E}">
-        <p14:creationId xmlns:p14="http://schemas.microsoft.com/office/powerpoint/2010/main" val="2261301343"/>
+        <p14:creationId xmlns:p14="http://schemas.microsoft.com/office/powerpoint/2010/main" xmlns="" val="2261301343"/>
       </p:ext>
     </p:extLst>
   </p:cSld>
@@ -959,7 +968,7 @@
           <p:cNvPr id="2" name="Titre 1">
             <a:extLst>
               <a:ext uri="{FF2B5EF4-FFF2-40B4-BE49-F238E27FC236}">
-                <a16:creationId xmlns:a16="http://schemas.microsoft.com/office/drawing/2014/main" id="{523E7CB0-7697-4B39-61B0-F2278BD9CDC5}"/>
+                <a16:creationId xmlns:a16="http://schemas.microsoft.com/office/drawing/2014/main" xmlns="" id="{523E7CB0-7697-4B39-61B0-F2278BD9CDC5}"/>
               </a:ext>
             </a:extLst>
           </p:cNvPr>
@@ -996,7 +1005,7 @@
           <p:cNvPr id="3" name="Espace réservé du texte 2">
             <a:extLst>
               <a:ext uri="{FF2B5EF4-FFF2-40B4-BE49-F238E27FC236}">
-                <a16:creationId xmlns:a16="http://schemas.microsoft.com/office/drawing/2014/main" id="{FE49ECEC-5D5D-D180-E479-5AC140D3A5F7}"/>
+                <a16:creationId xmlns:a16="http://schemas.microsoft.com/office/drawing/2014/main" xmlns="" id="{FE49ECEC-5D5D-D180-E479-5AC140D3A5F7}"/>
               </a:ext>
             </a:extLst>
           </p:cNvPr>
@@ -1121,7 +1130,7 @@
           <p:cNvPr id="4" name="Espace réservé de la date 3">
             <a:extLst>
               <a:ext uri="{FF2B5EF4-FFF2-40B4-BE49-F238E27FC236}">
-                <a16:creationId xmlns:a16="http://schemas.microsoft.com/office/drawing/2014/main" id="{6DC0DA68-0C65-8FFE-57AD-641D3A4C222E}"/>
+                <a16:creationId xmlns:a16="http://schemas.microsoft.com/office/drawing/2014/main" xmlns="" id="{6DC0DA68-0C65-8FFE-57AD-641D3A4C222E}"/>
               </a:ext>
             </a:extLst>
           </p:cNvPr>
@@ -1139,7 +1148,8 @@
           <a:p>
             <a:fld id="{36CF5CCB-BF6A-4A91-8133-EA608464C802}" type="datetimeFigureOut">
               <a:rPr lang="fr-FR" smtClean="0"/>
-              <a:t>01/04/2024</a:t>
+              <a:pPr/>
+              <a:t>03/04/2024</a:t>
             </a:fld>
             <a:endParaRPr lang="fr-FR"/>
           </a:p>
@@ -1150,7 +1160,7 @@
           <p:cNvPr id="5" name="Espace réservé du pied de page 4">
             <a:extLst>
               <a:ext uri="{FF2B5EF4-FFF2-40B4-BE49-F238E27FC236}">
-                <a16:creationId xmlns:a16="http://schemas.microsoft.com/office/drawing/2014/main" id="{C43C676F-F729-F3B2-3A03-F7B214EA1C57}"/>
+                <a16:creationId xmlns:a16="http://schemas.microsoft.com/office/drawing/2014/main" xmlns="" id="{C43C676F-F729-F3B2-3A03-F7B214EA1C57}"/>
               </a:ext>
             </a:extLst>
           </p:cNvPr>
@@ -1175,7 +1185,7 @@
           <p:cNvPr id="6" name="Espace réservé du numéro de diapositive 5">
             <a:extLst>
               <a:ext uri="{FF2B5EF4-FFF2-40B4-BE49-F238E27FC236}">
-                <a16:creationId xmlns:a16="http://schemas.microsoft.com/office/drawing/2014/main" id="{C79920A4-5BA3-C1D8-1F2E-FA1CBB5118F4}"/>
+                <a16:creationId xmlns:a16="http://schemas.microsoft.com/office/drawing/2014/main" xmlns="" id="{C79920A4-5BA3-C1D8-1F2E-FA1CBB5118F4}"/>
               </a:ext>
             </a:extLst>
           </p:cNvPr>
@@ -1193,6 +1203,7 @@
           <a:p>
             <a:fld id="{9CF4A039-6E19-4FA5-AAD3-748B5D2086FD}" type="slidenum">
               <a:rPr lang="fr-FR" smtClean="0"/>
+              <a:pPr/>
               <a:t>‹N°›</a:t>
             </a:fld>
             <a:endParaRPr lang="fr-FR"/>
@@ -1202,7 +1213,7 @@
     </p:spTree>
     <p:extLst>
       <p:ext uri="{BB962C8B-B14F-4D97-AF65-F5344CB8AC3E}">
-        <p14:creationId xmlns:p14="http://schemas.microsoft.com/office/powerpoint/2010/main" val="1148385612"/>
+        <p14:creationId xmlns:p14="http://schemas.microsoft.com/office/powerpoint/2010/main" xmlns="" val="1148385612"/>
       </p:ext>
     </p:extLst>
   </p:cSld>
@@ -1234,7 +1245,7 @@
           <p:cNvPr id="2" name="Titre 1">
             <a:extLst>
               <a:ext uri="{FF2B5EF4-FFF2-40B4-BE49-F238E27FC236}">
-                <a16:creationId xmlns:a16="http://schemas.microsoft.com/office/drawing/2014/main" id="{6F15613F-3C68-F358-0325-07D76E752835}"/>
+                <a16:creationId xmlns:a16="http://schemas.microsoft.com/office/drawing/2014/main" xmlns="" id="{6F15613F-3C68-F358-0325-07D76E752835}"/>
               </a:ext>
             </a:extLst>
           </p:cNvPr>
@@ -1262,7 +1273,7 @@
           <p:cNvPr id="3" name="Espace réservé du contenu 2">
             <a:extLst>
               <a:ext uri="{FF2B5EF4-FFF2-40B4-BE49-F238E27FC236}">
-                <a16:creationId xmlns:a16="http://schemas.microsoft.com/office/drawing/2014/main" id="{C395E3F8-900E-4CFF-6776-9DE6CA92D855}"/>
+                <a16:creationId xmlns:a16="http://schemas.microsoft.com/office/drawing/2014/main" xmlns="" id="{C395E3F8-900E-4CFF-6776-9DE6CA92D855}"/>
               </a:ext>
             </a:extLst>
           </p:cNvPr>
@@ -1324,7 +1335,7 @@
           <p:cNvPr id="4" name="Espace réservé du contenu 3">
             <a:extLst>
               <a:ext uri="{FF2B5EF4-FFF2-40B4-BE49-F238E27FC236}">
-                <a16:creationId xmlns:a16="http://schemas.microsoft.com/office/drawing/2014/main" id="{D3BA60DE-0DB9-81FA-A91E-422DDE1FD76D}"/>
+                <a16:creationId xmlns:a16="http://schemas.microsoft.com/office/drawing/2014/main" xmlns="" id="{D3BA60DE-0DB9-81FA-A91E-422DDE1FD76D}"/>
               </a:ext>
             </a:extLst>
           </p:cNvPr>
@@ -1386,7 +1397,7 @@
           <p:cNvPr id="5" name="Espace réservé de la date 4">
             <a:extLst>
               <a:ext uri="{FF2B5EF4-FFF2-40B4-BE49-F238E27FC236}">
-                <a16:creationId xmlns:a16="http://schemas.microsoft.com/office/drawing/2014/main" id="{F3260998-F173-F378-28A8-B9D8814E5CBB}"/>
+                <a16:creationId xmlns:a16="http://schemas.microsoft.com/office/drawing/2014/main" xmlns="" id="{F3260998-F173-F378-28A8-B9D8814E5CBB}"/>
               </a:ext>
             </a:extLst>
           </p:cNvPr>
@@ -1404,7 +1415,8 @@
           <a:p>
             <a:fld id="{36CF5CCB-BF6A-4A91-8133-EA608464C802}" type="datetimeFigureOut">
               <a:rPr lang="fr-FR" smtClean="0"/>
-              <a:t>01/04/2024</a:t>
+              <a:pPr/>
+              <a:t>03/04/2024</a:t>
             </a:fld>
             <a:endParaRPr lang="fr-FR"/>
           </a:p>
@@ -1415,7 +1427,7 @@
           <p:cNvPr id="6" name="Espace réservé du pied de page 5">
             <a:extLst>
               <a:ext uri="{FF2B5EF4-FFF2-40B4-BE49-F238E27FC236}">
-                <a16:creationId xmlns:a16="http://schemas.microsoft.com/office/drawing/2014/main" id="{9D73E0D5-0432-12F8-998A-80A7D18E41EC}"/>
+                <a16:creationId xmlns:a16="http://schemas.microsoft.com/office/drawing/2014/main" xmlns="" id="{9D73E0D5-0432-12F8-998A-80A7D18E41EC}"/>
               </a:ext>
             </a:extLst>
           </p:cNvPr>
@@ -1440,7 +1452,7 @@
           <p:cNvPr id="7" name="Espace réservé du numéro de diapositive 6">
             <a:extLst>
               <a:ext uri="{FF2B5EF4-FFF2-40B4-BE49-F238E27FC236}">
-                <a16:creationId xmlns:a16="http://schemas.microsoft.com/office/drawing/2014/main" id="{CCA52579-B0C8-562C-5731-C77E1ADD2CC2}"/>
+                <a16:creationId xmlns:a16="http://schemas.microsoft.com/office/drawing/2014/main" xmlns="" id="{CCA52579-B0C8-562C-5731-C77E1ADD2CC2}"/>
               </a:ext>
             </a:extLst>
           </p:cNvPr>
@@ -1458,6 +1470,7 @@
           <a:p>
             <a:fld id="{9CF4A039-6E19-4FA5-AAD3-748B5D2086FD}" type="slidenum">
               <a:rPr lang="fr-FR" smtClean="0"/>
+              <a:pPr/>
               <a:t>‹N°›</a:t>
             </a:fld>
             <a:endParaRPr lang="fr-FR"/>
@@ -1467,7 +1480,7 @@
     </p:spTree>
     <p:extLst>
       <p:ext uri="{BB962C8B-B14F-4D97-AF65-F5344CB8AC3E}">
-        <p14:creationId xmlns:p14="http://schemas.microsoft.com/office/powerpoint/2010/main" val="126097887"/>
+        <p14:creationId xmlns:p14="http://schemas.microsoft.com/office/powerpoint/2010/main" xmlns="" val="126097887"/>
       </p:ext>
     </p:extLst>
   </p:cSld>
@@ -1499,7 +1512,7 @@
           <p:cNvPr id="2" name="Titre 1">
             <a:extLst>
               <a:ext uri="{FF2B5EF4-FFF2-40B4-BE49-F238E27FC236}">
-                <a16:creationId xmlns:a16="http://schemas.microsoft.com/office/drawing/2014/main" id="{5C2F9B74-C347-CC67-8019-428B1B651C79}"/>
+                <a16:creationId xmlns:a16="http://schemas.microsoft.com/office/drawing/2014/main" xmlns="" id="{5C2F9B74-C347-CC67-8019-428B1B651C79}"/>
               </a:ext>
             </a:extLst>
           </p:cNvPr>
@@ -1532,7 +1545,7 @@
           <p:cNvPr id="3" name="Espace réservé du texte 2">
             <a:extLst>
               <a:ext uri="{FF2B5EF4-FFF2-40B4-BE49-F238E27FC236}">
-                <a16:creationId xmlns:a16="http://schemas.microsoft.com/office/drawing/2014/main" id="{0BE00075-4882-ED9A-98A5-9F1CFB80E7EB}"/>
+                <a16:creationId xmlns:a16="http://schemas.microsoft.com/office/drawing/2014/main" xmlns="" id="{0BE00075-4882-ED9A-98A5-9F1CFB80E7EB}"/>
               </a:ext>
             </a:extLst>
           </p:cNvPr>
@@ -1603,7 +1616,7 @@
           <p:cNvPr id="4" name="Espace réservé du contenu 3">
             <a:extLst>
               <a:ext uri="{FF2B5EF4-FFF2-40B4-BE49-F238E27FC236}">
-                <a16:creationId xmlns:a16="http://schemas.microsoft.com/office/drawing/2014/main" id="{E23BF2CF-DD33-C25D-6C02-2A5BE89852F2}"/>
+                <a16:creationId xmlns:a16="http://schemas.microsoft.com/office/drawing/2014/main" xmlns="" id="{E23BF2CF-DD33-C25D-6C02-2A5BE89852F2}"/>
               </a:ext>
             </a:extLst>
           </p:cNvPr>
@@ -1665,7 +1678,7 @@
           <p:cNvPr id="5" name="Espace réservé du texte 4">
             <a:extLst>
               <a:ext uri="{FF2B5EF4-FFF2-40B4-BE49-F238E27FC236}">
-                <a16:creationId xmlns:a16="http://schemas.microsoft.com/office/drawing/2014/main" id="{6EAAD007-4637-9797-12A4-83FE0460DEED}"/>
+                <a16:creationId xmlns:a16="http://schemas.microsoft.com/office/drawing/2014/main" xmlns="" id="{6EAAD007-4637-9797-12A4-83FE0460DEED}"/>
               </a:ext>
             </a:extLst>
           </p:cNvPr>
@@ -1736,7 +1749,7 @@
           <p:cNvPr id="6" name="Espace réservé du contenu 5">
             <a:extLst>
               <a:ext uri="{FF2B5EF4-FFF2-40B4-BE49-F238E27FC236}">
-                <a16:creationId xmlns:a16="http://schemas.microsoft.com/office/drawing/2014/main" id="{F6AF02EE-0511-65E1-990F-3EDE77BA23E3}"/>
+                <a16:creationId xmlns:a16="http://schemas.microsoft.com/office/drawing/2014/main" xmlns="" id="{F6AF02EE-0511-65E1-990F-3EDE77BA23E3}"/>
               </a:ext>
             </a:extLst>
           </p:cNvPr>
@@ -1798,7 +1811,7 @@
           <p:cNvPr id="7" name="Espace réservé de la date 6">
             <a:extLst>
               <a:ext uri="{FF2B5EF4-FFF2-40B4-BE49-F238E27FC236}">
-                <a16:creationId xmlns:a16="http://schemas.microsoft.com/office/drawing/2014/main" id="{6E713A15-AC4E-65AB-136B-D42481002485}"/>
+                <a16:creationId xmlns:a16="http://schemas.microsoft.com/office/drawing/2014/main" xmlns="" id="{6E713A15-AC4E-65AB-136B-D42481002485}"/>
               </a:ext>
             </a:extLst>
           </p:cNvPr>
@@ -1816,7 +1829,8 @@
           <a:p>
             <a:fld id="{36CF5CCB-BF6A-4A91-8133-EA608464C802}" type="datetimeFigureOut">
               <a:rPr lang="fr-FR" smtClean="0"/>
-              <a:t>01/04/2024</a:t>
+              <a:pPr/>
+              <a:t>03/04/2024</a:t>
             </a:fld>
             <a:endParaRPr lang="fr-FR"/>
           </a:p>
@@ -1827,7 +1841,7 @@
           <p:cNvPr id="8" name="Espace réservé du pied de page 7">
             <a:extLst>
               <a:ext uri="{FF2B5EF4-FFF2-40B4-BE49-F238E27FC236}">
-                <a16:creationId xmlns:a16="http://schemas.microsoft.com/office/drawing/2014/main" id="{EE0BF89D-4C07-297E-E00C-F21C07AFB678}"/>
+                <a16:creationId xmlns:a16="http://schemas.microsoft.com/office/drawing/2014/main" xmlns="" id="{EE0BF89D-4C07-297E-E00C-F21C07AFB678}"/>
               </a:ext>
             </a:extLst>
           </p:cNvPr>
@@ -1852,7 +1866,7 @@
           <p:cNvPr id="9" name="Espace réservé du numéro de diapositive 8">
             <a:extLst>
               <a:ext uri="{FF2B5EF4-FFF2-40B4-BE49-F238E27FC236}">
-                <a16:creationId xmlns:a16="http://schemas.microsoft.com/office/drawing/2014/main" id="{07088D9B-CDBB-6FCA-3350-091A0BEC1F53}"/>
+                <a16:creationId xmlns:a16="http://schemas.microsoft.com/office/drawing/2014/main" xmlns="" id="{07088D9B-CDBB-6FCA-3350-091A0BEC1F53}"/>
               </a:ext>
             </a:extLst>
           </p:cNvPr>
@@ -1870,6 +1884,7 @@
           <a:p>
             <a:fld id="{9CF4A039-6E19-4FA5-AAD3-748B5D2086FD}" type="slidenum">
               <a:rPr lang="fr-FR" smtClean="0"/>
+              <a:pPr/>
               <a:t>‹N°›</a:t>
             </a:fld>
             <a:endParaRPr lang="fr-FR"/>
@@ -1879,7 +1894,7 @@
     </p:spTree>
     <p:extLst>
       <p:ext uri="{BB962C8B-B14F-4D97-AF65-F5344CB8AC3E}">
-        <p14:creationId xmlns:p14="http://schemas.microsoft.com/office/powerpoint/2010/main" val="2737687133"/>
+        <p14:creationId xmlns:p14="http://schemas.microsoft.com/office/powerpoint/2010/main" xmlns="" val="2737687133"/>
       </p:ext>
     </p:extLst>
   </p:cSld>
@@ -1911,7 +1926,7 @@
           <p:cNvPr id="2" name="Titre 1">
             <a:extLst>
               <a:ext uri="{FF2B5EF4-FFF2-40B4-BE49-F238E27FC236}">
-                <a16:creationId xmlns:a16="http://schemas.microsoft.com/office/drawing/2014/main" id="{DBB62E49-3070-076E-217C-AD5C3FB38F77}"/>
+                <a16:creationId xmlns:a16="http://schemas.microsoft.com/office/drawing/2014/main" xmlns="" id="{DBB62E49-3070-076E-217C-AD5C3FB38F77}"/>
               </a:ext>
             </a:extLst>
           </p:cNvPr>
@@ -1939,7 +1954,7 @@
           <p:cNvPr id="3" name="Espace réservé de la date 2">
             <a:extLst>
               <a:ext uri="{FF2B5EF4-FFF2-40B4-BE49-F238E27FC236}">
-                <a16:creationId xmlns:a16="http://schemas.microsoft.com/office/drawing/2014/main" id="{61935724-DF91-AB88-7E9D-587C20904909}"/>
+                <a16:creationId xmlns:a16="http://schemas.microsoft.com/office/drawing/2014/main" xmlns="" id="{61935724-DF91-AB88-7E9D-587C20904909}"/>
               </a:ext>
             </a:extLst>
           </p:cNvPr>
@@ -1957,7 +1972,8 @@
           <a:p>
             <a:fld id="{36CF5CCB-BF6A-4A91-8133-EA608464C802}" type="datetimeFigureOut">
               <a:rPr lang="fr-FR" smtClean="0"/>
-              <a:t>01/04/2024</a:t>
+              <a:pPr/>
+              <a:t>03/04/2024</a:t>
             </a:fld>
             <a:endParaRPr lang="fr-FR"/>
           </a:p>
@@ -1968,7 +1984,7 @@
           <p:cNvPr id="4" name="Espace réservé du pied de page 3">
             <a:extLst>
               <a:ext uri="{FF2B5EF4-FFF2-40B4-BE49-F238E27FC236}">
-                <a16:creationId xmlns:a16="http://schemas.microsoft.com/office/drawing/2014/main" id="{E1465315-1A24-BC4A-8E90-A9F69E82F16B}"/>
+                <a16:creationId xmlns:a16="http://schemas.microsoft.com/office/drawing/2014/main" xmlns="" id="{E1465315-1A24-BC4A-8E90-A9F69E82F16B}"/>
               </a:ext>
             </a:extLst>
           </p:cNvPr>
@@ -1993,7 +2009,7 @@
           <p:cNvPr id="5" name="Espace réservé du numéro de diapositive 4">
             <a:extLst>
               <a:ext uri="{FF2B5EF4-FFF2-40B4-BE49-F238E27FC236}">
-                <a16:creationId xmlns:a16="http://schemas.microsoft.com/office/drawing/2014/main" id="{93B2722A-9894-33F4-3AA9-C960AB62F7BC}"/>
+                <a16:creationId xmlns:a16="http://schemas.microsoft.com/office/drawing/2014/main" xmlns="" id="{93B2722A-9894-33F4-3AA9-C960AB62F7BC}"/>
               </a:ext>
             </a:extLst>
           </p:cNvPr>
@@ -2011,6 +2027,7 @@
           <a:p>
             <a:fld id="{9CF4A039-6E19-4FA5-AAD3-748B5D2086FD}" type="slidenum">
               <a:rPr lang="fr-FR" smtClean="0"/>
+              <a:pPr/>
               <a:t>‹N°›</a:t>
             </a:fld>
             <a:endParaRPr lang="fr-FR"/>
@@ -2020,7 +2037,7 @@
     </p:spTree>
     <p:extLst>
       <p:ext uri="{BB962C8B-B14F-4D97-AF65-F5344CB8AC3E}">
-        <p14:creationId xmlns:p14="http://schemas.microsoft.com/office/powerpoint/2010/main" val="3053119804"/>
+        <p14:creationId xmlns:p14="http://schemas.microsoft.com/office/powerpoint/2010/main" xmlns="" val="3053119804"/>
       </p:ext>
     </p:extLst>
   </p:cSld>
@@ -2052,7 +2069,7 @@
           <p:cNvPr id="2" name="Espace réservé de la date 1">
             <a:extLst>
               <a:ext uri="{FF2B5EF4-FFF2-40B4-BE49-F238E27FC236}">
-                <a16:creationId xmlns:a16="http://schemas.microsoft.com/office/drawing/2014/main" id="{3476BDBF-FBCF-7557-9A12-C93B2316BE60}"/>
+                <a16:creationId xmlns:a16="http://schemas.microsoft.com/office/drawing/2014/main" xmlns="" id="{3476BDBF-FBCF-7557-9A12-C93B2316BE60}"/>
               </a:ext>
             </a:extLst>
           </p:cNvPr>
@@ -2070,7 +2087,8 @@
           <a:p>
             <a:fld id="{36CF5CCB-BF6A-4A91-8133-EA608464C802}" type="datetimeFigureOut">
               <a:rPr lang="fr-FR" smtClean="0"/>
-              <a:t>01/04/2024</a:t>
+              <a:pPr/>
+              <a:t>03/04/2024</a:t>
             </a:fld>
             <a:endParaRPr lang="fr-FR"/>
           </a:p>
@@ -2081,7 +2099,7 @@
           <p:cNvPr id="3" name="Espace réservé du pied de page 2">
             <a:extLst>
               <a:ext uri="{FF2B5EF4-FFF2-40B4-BE49-F238E27FC236}">
-                <a16:creationId xmlns:a16="http://schemas.microsoft.com/office/drawing/2014/main" id="{017B51A4-20FC-50A8-22ED-2F7E1269F703}"/>
+                <a16:creationId xmlns:a16="http://schemas.microsoft.com/office/drawing/2014/main" xmlns="" id="{017B51A4-20FC-50A8-22ED-2F7E1269F703}"/>
               </a:ext>
             </a:extLst>
           </p:cNvPr>
@@ -2106,7 +2124,7 @@
           <p:cNvPr id="4" name="Espace réservé du numéro de diapositive 3">
             <a:extLst>
               <a:ext uri="{FF2B5EF4-FFF2-40B4-BE49-F238E27FC236}">
-                <a16:creationId xmlns:a16="http://schemas.microsoft.com/office/drawing/2014/main" id="{4999184D-0502-A40A-85FE-2549E7E2C5EE}"/>
+                <a16:creationId xmlns:a16="http://schemas.microsoft.com/office/drawing/2014/main" xmlns="" id="{4999184D-0502-A40A-85FE-2549E7E2C5EE}"/>
               </a:ext>
             </a:extLst>
           </p:cNvPr>
@@ -2124,6 +2142,7 @@
           <a:p>
             <a:fld id="{9CF4A039-6E19-4FA5-AAD3-748B5D2086FD}" type="slidenum">
               <a:rPr lang="fr-FR" smtClean="0"/>
+              <a:pPr/>
               <a:t>‹N°›</a:t>
             </a:fld>
             <a:endParaRPr lang="fr-FR"/>
@@ -2133,7 +2152,7 @@
     </p:spTree>
     <p:extLst>
       <p:ext uri="{BB962C8B-B14F-4D97-AF65-F5344CB8AC3E}">
-        <p14:creationId xmlns:p14="http://schemas.microsoft.com/office/powerpoint/2010/main" val="3993844090"/>
+        <p14:creationId xmlns:p14="http://schemas.microsoft.com/office/powerpoint/2010/main" xmlns="" val="3993844090"/>
       </p:ext>
     </p:extLst>
   </p:cSld>
@@ -2165,7 +2184,7 @@
           <p:cNvPr id="2" name="Titre 1">
             <a:extLst>
               <a:ext uri="{FF2B5EF4-FFF2-40B4-BE49-F238E27FC236}">
-                <a16:creationId xmlns:a16="http://schemas.microsoft.com/office/drawing/2014/main" id="{B4038103-0C71-02DF-E8FE-B50418BDE013}"/>
+                <a16:creationId xmlns:a16="http://schemas.microsoft.com/office/drawing/2014/main" xmlns="" id="{B4038103-0C71-02DF-E8FE-B50418BDE013}"/>
               </a:ext>
             </a:extLst>
           </p:cNvPr>
@@ -2202,7 +2221,7 @@
           <p:cNvPr id="3" name="Espace réservé du contenu 2">
             <a:extLst>
               <a:ext uri="{FF2B5EF4-FFF2-40B4-BE49-F238E27FC236}">
-                <a16:creationId xmlns:a16="http://schemas.microsoft.com/office/drawing/2014/main" id="{EF96D890-4749-7652-8866-D85BC8E02141}"/>
+                <a16:creationId xmlns:a16="http://schemas.microsoft.com/office/drawing/2014/main" xmlns="" id="{EF96D890-4749-7652-8866-D85BC8E02141}"/>
               </a:ext>
             </a:extLst>
           </p:cNvPr>
@@ -2292,7 +2311,7 @@
           <p:cNvPr id="4" name="Espace réservé du texte 3">
             <a:extLst>
               <a:ext uri="{FF2B5EF4-FFF2-40B4-BE49-F238E27FC236}">
-                <a16:creationId xmlns:a16="http://schemas.microsoft.com/office/drawing/2014/main" id="{1430DDE8-87C9-CFEB-CD34-180543DEB985}"/>
+                <a16:creationId xmlns:a16="http://schemas.microsoft.com/office/drawing/2014/main" xmlns="" id="{1430DDE8-87C9-CFEB-CD34-180543DEB985}"/>
               </a:ext>
             </a:extLst>
           </p:cNvPr>
@@ -2363,7 +2382,7 @@
           <p:cNvPr id="5" name="Espace réservé de la date 4">
             <a:extLst>
               <a:ext uri="{FF2B5EF4-FFF2-40B4-BE49-F238E27FC236}">
-                <a16:creationId xmlns:a16="http://schemas.microsoft.com/office/drawing/2014/main" id="{E8C32AA2-453D-1B11-EE9F-117501720DB6}"/>
+                <a16:creationId xmlns:a16="http://schemas.microsoft.com/office/drawing/2014/main" xmlns="" id="{E8C32AA2-453D-1B11-EE9F-117501720DB6}"/>
               </a:ext>
             </a:extLst>
           </p:cNvPr>
@@ -2381,7 +2400,8 @@
           <a:p>
             <a:fld id="{36CF5CCB-BF6A-4A91-8133-EA608464C802}" type="datetimeFigureOut">
               <a:rPr lang="fr-FR" smtClean="0"/>
-              <a:t>01/04/2024</a:t>
+              <a:pPr/>
+              <a:t>03/04/2024</a:t>
             </a:fld>
             <a:endParaRPr lang="fr-FR"/>
           </a:p>
@@ -2392,7 +2412,7 @@
           <p:cNvPr id="6" name="Espace réservé du pied de page 5">
             <a:extLst>
               <a:ext uri="{FF2B5EF4-FFF2-40B4-BE49-F238E27FC236}">
-                <a16:creationId xmlns:a16="http://schemas.microsoft.com/office/drawing/2014/main" id="{6C194FCE-4476-F646-D8C2-503765A00F01}"/>
+                <a16:creationId xmlns:a16="http://schemas.microsoft.com/office/drawing/2014/main" xmlns="" id="{6C194FCE-4476-F646-D8C2-503765A00F01}"/>
               </a:ext>
             </a:extLst>
           </p:cNvPr>
@@ -2417,7 +2437,7 @@
           <p:cNvPr id="7" name="Espace réservé du numéro de diapositive 6">
             <a:extLst>
               <a:ext uri="{FF2B5EF4-FFF2-40B4-BE49-F238E27FC236}">
-                <a16:creationId xmlns:a16="http://schemas.microsoft.com/office/drawing/2014/main" id="{26AB5B35-A6E0-8D5E-3CE9-B3452A3D17D3}"/>
+                <a16:creationId xmlns:a16="http://schemas.microsoft.com/office/drawing/2014/main" xmlns="" id="{26AB5B35-A6E0-8D5E-3CE9-B3452A3D17D3}"/>
               </a:ext>
             </a:extLst>
           </p:cNvPr>
@@ -2435,6 +2455,7 @@
           <a:p>
             <a:fld id="{9CF4A039-6E19-4FA5-AAD3-748B5D2086FD}" type="slidenum">
               <a:rPr lang="fr-FR" smtClean="0"/>
+              <a:pPr/>
               <a:t>‹N°›</a:t>
             </a:fld>
             <a:endParaRPr lang="fr-FR"/>
@@ -2444,7 +2465,7 @@
     </p:spTree>
     <p:extLst>
       <p:ext uri="{BB962C8B-B14F-4D97-AF65-F5344CB8AC3E}">
-        <p14:creationId xmlns:p14="http://schemas.microsoft.com/office/powerpoint/2010/main" val="3261652130"/>
+        <p14:creationId xmlns:p14="http://schemas.microsoft.com/office/powerpoint/2010/main" xmlns="" val="3261652130"/>
       </p:ext>
     </p:extLst>
   </p:cSld>
@@ -2476,7 +2497,7 @@
           <p:cNvPr id="2" name="Titre 1">
             <a:extLst>
               <a:ext uri="{FF2B5EF4-FFF2-40B4-BE49-F238E27FC236}">
-                <a16:creationId xmlns:a16="http://schemas.microsoft.com/office/drawing/2014/main" id="{4286F528-A474-D551-F278-74C2691AD91A}"/>
+                <a16:creationId xmlns:a16="http://schemas.microsoft.com/office/drawing/2014/main" xmlns="" id="{4286F528-A474-D551-F278-74C2691AD91A}"/>
               </a:ext>
             </a:extLst>
           </p:cNvPr>
@@ -2513,7 +2534,7 @@
           <p:cNvPr id="3" name="Espace réservé pour une image  2">
             <a:extLst>
               <a:ext uri="{FF2B5EF4-FFF2-40B4-BE49-F238E27FC236}">
-                <a16:creationId xmlns:a16="http://schemas.microsoft.com/office/drawing/2014/main" id="{B19D6098-D9E7-8150-C0E1-FA376B8C26A8}"/>
+                <a16:creationId xmlns:a16="http://schemas.microsoft.com/office/drawing/2014/main" xmlns="" id="{B19D6098-D9E7-8150-C0E1-FA376B8C26A8}"/>
               </a:ext>
             </a:extLst>
           </p:cNvPr>
@@ -2580,7 +2601,7 @@
           <p:cNvPr id="4" name="Espace réservé du texte 3">
             <a:extLst>
               <a:ext uri="{FF2B5EF4-FFF2-40B4-BE49-F238E27FC236}">
-                <a16:creationId xmlns:a16="http://schemas.microsoft.com/office/drawing/2014/main" id="{6B835E41-377D-825B-A4E1-1291BB2AD132}"/>
+                <a16:creationId xmlns:a16="http://schemas.microsoft.com/office/drawing/2014/main" xmlns="" id="{6B835E41-377D-825B-A4E1-1291BB2AD132}"/>
               </a:ext>
             </a:extLst>
           </p:cNvPr>
@@ -2651,7 +2672,7 @@
           <p:cNvPr id="5" name="Espace réservé de la date 4">
             <a:extLst>
               <a:ext uri="{FF2B5EF4-FFF2-40B4-BE49-F238E27FC236}">
-                <a16:creationId xmlns:a16="http://schemas.microsoft.com/office/drawing/2014/main" id="{16D1F095-E1CB-A2E7-10B4-74E24D541BEC}"/>
+                <a16:creationId xmlns:a16="http://schemas.microsoft.com/office/drawing/2014/main" xmlns="" id="{16D1F095-E1CB-A2E7-10B4-74E24D541BEC}"/>
               </a:ext>
             </a:extLst>
           </p:cNvPr>
@@ -2669,7 +2690,8 @@
           <a:p>
             <a:fld id="{36CF5CCB-BF6A-4A91-8133-EA608464C802}" type="datetimeFigureOut">
               <a:rPr lang="fr-FR" smtClean="0"/>
-              <a:t>01/04/2024</a:t>
+              <a:pPr/>
+              <a:t>03/04/2024</a:t>
             </a:fld>
             <a:endParaRPr lang="fr-FR"/>
           </a:p>
@@ -2680,7 +2702,7 @@
           <p:cNvPr id="6" name="Espace réservé du pied de page 5">
             <a:extLst>
               <a:ext uri="{FF2B5EF4-FFF2-40B4-BE49-F238E27FC236}">
-                <a16:creationId xmlns:a16="http://schemas.microsoft.com/office/drawing/2014/main" id="{D72D4E0F-56AC-533B-2B92-AF24F0CBEF4B}"/>
+                <a16:creationId xmlns:a16="http://schemas.microsoft.com/office/drawing/2014/main" xmlns="" id="{D72D4E0F-56AC-533B-2B92-AF24F0CBEF4B}"/>
               </a:ext>
             </a:extLst>
           </p:cNvPr>
@@ -2705,7 +2727,7 @@
           <p:cNvPr id="7" name="Espace réservé du numéro de diapositive 6">
             <a:extLst>
               <a:ext uri="{FF2B5EF4-FFF2-40B4-BE49-F238E27FC236}">
-                <a16:creationId xmlns:a16="http://schemas.microsoft.com/office/drawing/2014/main" id="{7C50F43E-B3DE-55FA-225F-7AF88859C21D}"/>
+                <a16:creationId xmlns:a16="http://schemas.microsoft.com/office/drawing/2014/main" xmlns="" id="{7C50F43E-B3DE-55FA-225F-7AF88859C21D}"/>
               </a:ext>
             </a:extLst>
           </p:cNvPr>
@@ -2723,6 +2745,7 @@
           <a:p>
             <a:fld id="{9CF4A039-6E19-4FA5-AAD3-748B5D2086FD}" type="slidenum">
               <a:rPr lang="fr-FR" smtClean="0"/>
+              <a:pPr/>
               <a:t>‹N°›</a:t>
             </a:fld>
             <a:endParaRPr lang="fr-FR"/>
@@ -2732,7 +2755,7 @@
     </p:spTree>
     <p:extLst>
       <p:ext uri="{BB962C8B-B14F-4D97-AF65-F5344CB8AC3E}">
-        <p14:creationId xmlns:p14="http://schemas.microsoft.com/office/powerpoint/2010/main" val="1509709862"/>
+        <p14:creationId xmlns:p14="http://schemas.microsoft.com/office/powerpoint/2010/main" xmlns="" val="1509709862"/>
       </p:ext>
     </p:extLst>
   </p:cSld>
@@ -2769,7 +2792,7 @@
           <p:cNvPr id="2" name="Espace réservé du titre 1">
             <a:extLst>
               <a:ext uri="{FF2B5EF4-FFF2-40B4-BE49-F238E27FC236}">
-                <a16:creationId xmlns:a16="http://schemas.microsoft.com/office/drawing/2014/main" id="{A08C579D-F6DA-F96F-11B4-740F042041DD}"/>
+                <a16:creationId xmlns:a16="http://schemas.microsoft.com/office/drawing/2014/main" xmlns="" id="{A08C579D-F6DA-F96F-11B4-740F042041DD}"/>
               </a:ext>
             </a:extLst>
           </p:cNvPr>
@@ -2807,7 +2830,7 @@
           <p:cNvPr id="3" name="Espace réservé du texte 2">
             <a:extLst>
               <a:ext uri="{FF2B5EF4-FFF2-40B4-BE49-F238E27FC236}">
-                <a16:creationId xmlns:a16="http://schemas.microsoft.com/office/drawing/2014/main" id="{E398743E-74DC-1F7C-5065-ED76148C8C44}"/>
+                <a16:creationId xmlns:a16="http://schemas.microsoft.com/office/drawing/2014/main" xmlns="" id="{E398743E-74DC-1F7C-5065-ED76148C8C44}"/>
               </a:ext>
             </a:extLst>
           </p:cNvPr>
@@ -2874,7 +2897,7 @@
           <p:cNvPr id="4" name="Espace réservé de la date 3">
             <a:extLst>
               <a:ext uri="{FF2B5EF4-FFF2-40B4-BE49-F238E27FC236}">
-                <a16:creationId xmlns:a16="http://schemas.microsoft.com/office/drawing/2014/main" id="{15F7C452-4264-FF3E-9E18-67FDB9EB1A3A}"/>
+                <a16:creationId xmlns:a16="http://schemas.microsoft.com/office/drawing/2014/main" xmlns="" id="{15F7C452-4264-FF3E-9E18-67FDB9EB1A3A}"/>
               </a:ext>
             </a:extLst>
           </p:cNvPr>
@@ -2910,7 +2933,8 @@
           <a:p>
             <a:fld id="{36CF5CCB-BF6A-4A91-8133-EA608464C802}" type="datetimeFigureOut">
               <a:rPr lang="fr-FR" smtClean="0"/>
-              <a:t>01/04/2024</a:t>
+              <a:pPr/>
+              <a:t>03/04/2024</a:t>
             </a:fld>
             <a:endParaRPr lang="fr-FR"/>
           </a:p>
@@ -2921,7 +2945,7 @@
           <p:cNvPr id="5" name="Espace réservé du pied de page 4">
             <a:extLst>
               <a:ext uri="{FF2B5EF4-FFF2-40B4-BE49-F238E27FC236}">
-                <a16:creationId xmlns:a16="http://schemas.microsoft.com/office/drawing/2014/main" id="{97DC5111-479B-FAE1-FA27-C5D5EC863790}"/>
+                <a16:creationId xmlns:a16="http://schemas.microsoft.com/office/drawing/2014/main" xmlns="" id="{97DC5111-479B-FAE1-FA27-C5D5EC863790}"/>
               </a:ext>
             </a:extLst>
           </p:cNvPr>
@@ -2964,7 +2988,7 @@
           <p:cNvPr id="6" name="Espace réservé du numéro de diapositive 5">
             <a:extLst>
               <a:ext uri="{FF2B5EF4-FFF2-40B4-BE49-F238E27FC236}">
-                <a16:creationId xmlns:a16="http://schemas.microsoft.com/office/drawing/2014/main" id="{977F890C-9832-7843-E466-AED642533BAB}"/>
+                <a16:creationId xmlns:a16="http://schemas.microsoft.com/office/drawing/2014/main" xmlns="" id="{977F890C-9832-7843-E466-AED642533BAB}"/>
               </a:ext>
             </a:extLst>
           </p:cNvPr>
@@ -3000,6 +3024,7 @@
           <a:p>
             <a:fld id="{9CF4A039-6E19-4FA5-AAD3-748B5D2086FD}" type="slidenum">
               <a:rPr lang="fr-FR" smtClean="0"/>
+              <a:pPr/>
               <a:t>‹N°›</a:t>
             </a:fld>
             <a:endParaRPr lang="fr-FR"/>
@@ -3009,7 +3034,7 @@
     </p:spTree>
     <p:extLst>
       <p:ext uri="{BB962C8B-B14F-4D97-AF65-F5344CB8AC3E}">
-        <p14:creationId xmlns:p14="http://schemas.microsoft.com/office/powerpoint/2010/main" val="3878542379"/>
+        <p14:creationId xmlns:p14="http://schemas.microsoft.com/office/powerpoint/2010/main" xmlns="" val="3878542379"/>
       </p:ext>
     </p:extLst>
   </p:cSld>
@@ -3327,337 +3352,30 @@
           <a:chExt cx="0" cy="0"/>
         </a:xfrm>
       </p:grpSpPr>
-      <p:sp>
-        <p:nvSpPr>
-          <p:cNvPr id="2" name="Titre 1">
-            <a:extLst>
-              <a:ext uri="{FF2B5EF4-FFF2-40B4-BE49-F238E27FC236}">
-                <a16:creationId xmlns:a16="http://schemas.microsoft.com/office/drawing/2014/main" id="{628C1CA6-97B9-8EC8-C00F-062945502EF8}"/>
-              </a:ext>
-            </a:extLst>
-          </p:cNvPr>
-          <p:cNvSpPr>
-            <a:spLocks noGrp="1"/>
-          </p:cNvSpPr>
-          <p:nvPr>
-            <p:ph type="ctrTitle"/>
-          </p:nvPr>
-        </p:nvSpPr>
+      <p:pic>
+        <p:nvPicPr>
+          <p:cNvPr id="4" name="Espace réservé du contenu 3" descr="interfaceweb.JPG"/>
+          <p:cNvPicPr>
+            <a:picLocks noGrp="1" noChangeAspect="1"/>
+          </p:cNvPicPr>
+          <p:nvPr>
+            <p:ph idx="1"/>
+          </p:nvPr>
+        </p:nvPicPr>
+        <p:blipFill>
+          <a:blip r:embed="rId2" cstate="print"/>
+          <a:stretch>
+            <a:fillRect/>
+          </a:stretch>
+        </p:blipFill>
         <p:spPr>
           <a:xfrm>
-            <a:off x="1524000" y="354563"/>
-            <a:ext cx="9144000" cy="981367"/>
+            <a:off x="1406943" y="477794"/>
+            <a:ext cx="7501246" cy="5452033"/>
           </a:xfrm>
         </p:spPr>
-        <p:txBody>
-          <a:bodyPr/>
-          <a:lstStyle/>
-          <a:p>
-            <a:r>
-              <a:rPr lang="fr-FR" dirty="0"/>
-              <a:t>BESOIN :</a:t>
-            </a:r>
-          </a:p>
-        </p:txBody>
-      </p:sp>
-      <p:sp>
-        <p:nvSpPr>
-          <p:cNvPr id="3" name="Sous-titre 2">
-            <a:extLst>
-              <a:ext uri="{FF2B5EF4-FFF2-40B4-BE49-F238E27FC236}">
-                <a16:creationId xmlns:a16="http://schemas.microsoft.com/office/drawing/2014/main" id="{8396EF29-53D7-87A8-876A-68900C4A5A80}"/>
-              </a:ext>
-            </a:extLst>
-          </p:cNvPr>
-          <p:cNvSpPr>
-            <a:spLocks noGrp="1"/>
-          </p:cNvSpPr>
-          <p:nvPr>
-            <p:ph type="subTitle" idx="1"/>
-          </p:nvPr>
-        </p:nvSpPr>
-        <p:spPr>
-          <a:xfrm>
-            <a:off x="1524000" y="1698592"/>
-            <a:ext cx="9144000" cy="1655762"/>
-          </a:xfrm>
-        </p:spPr>
-        <p:txBody>
-          <a:bodyPr/>
-          <a:lstStyle/>
-          <a:p>
-            <a:r>
-              <a:rPr lang="fr-FR" dirty="0"/>
-              <a:t>Création d’une interface web (intranet) à la demande du groupe BNP PF IT (Groupe ou j’ai effectué mon stage)</a:t>
-            </a:r>
-          </a:p>
-        </p:txBody>
-      </p:sp>
-      <p:sp>
-        <p:nvSpPr>
-          <p:cNvPr id="4" name="Titre 1">
-            <a:extLst>
-              <a:ext uri="{FF2B5EF4-FFF2-40B4-BE49-F238E27FC236}">
-                <a16:creationId xmlns:a16="http://schemas.microsoft.com/office/drawing/2014/main" id="{B23572BC-FB7B-A3C3-00B6-8F8765068310}"/>
-              </a:ext>
-            </a:extLst>
-          </p:cNvPr>
-          <p:cNvSpPr txBox="1">
-            <a:spLocks/>
-          </p:cNvSpPr>
-          <p:nvPr/>
-        </p:nvSpPr>
-        <p:spPr>
-          <a:xfrm>
-            <a:off x="1524000" y="3012963"/>
-            <a:ext cx="9144000" cy="981367"/>
-          </a:xfrm>
-          <a:prstGeom prst="rect">
-            <a:avLst/>
-          </a:prstGeom>
-        </p:spPr>
-        <p:txBody>
-          <a:bodyPr vert="horz" lIns="91440" tIns="45720" rIns="91440" bIns="45720" rtlCol="0" anchor="b">
-            <a:normAutofit/>
-          </a:bodyPr>
-          <a:lstStyle>
-            <a:lvl1pPr algn="ctr" defTabSz="914400" rtl="0" eaLnBrk="1" latinLnBrk="0" hangingPunct="1">
-              <a:lnSpc>
-                <a:spcPct val="90000"/>
-              </a:lnSpc>
-              <a:spcBef>
-                <a:spcPct val="0"/>
-              </a:spcBef>
-              <a:buNone/>
-              <a:defRPr sz="6000" kern="1200">
-                <a:solidFill>
-                  <a:schemeClr val="tx1"/>
-                </a:solidFill>
-                <a:latin typeface="+mj-lt"/>
-                <a:ea typeface="+mj-ea"/>
-                <a:cs typeface="+mj-cs"/>
-              </a:defRPr>
-            </a:lvl1pPr>
-          </a:lstStyle>
-          <a:p>
-            <a:r>
-              <a:rPr lang="fr-FR" dirty="0"/>
-              <a:t>BUT  :</a:t>
-            </a:r>
-          </a:p>
-        </p:txBody>
-      </p:sp>
-      <p:sp>
-        <p:nvSpPr>
-          <p:cNvPr id="5" name="Sous-titre 2">
-            <a:extLst>
-              <a:ext uri="{FF2B5EF4-FFF2-40B4-BE49-F238E27FC236}">
-                <a16:creationId xmlns:a16="http://schemas.microsoft.com/office/drawing/2014/main" id="{366AD0CA-A4E8-3441-DCAC-BA0DBBD7C2E5}"/>
-              </a:ext>
-            </a:extLst>
-          </p:cNvPr>
-          <p:cNvSpPr txBox="1">
-            <a:spLocks/>
-          </p:cNvSpPr>
-          <p:nvPr/>
-        </p:nvSpPr>
-        <p:spPr>
-          <a:xfrm>
-            <a:off x="1524000" y="4480820"/>
-            <a:ext cx="9144000" cy="1655762"/>
-          </a:xfrm>
-          <a:prstGeom prst="rect">
-            <a:avLst/>
-          </a:prstGeom>
-        </p:spPr>
-        <p:txBody>
-          <a:bodyPr vert="horz" lIns="91440" tIns="45720" rIns="91440" bIns="45720" rtlCol="0">
-            <a:normAutofit/>
-          </a:bodyPr>
-          <a:lstStyle>
-            <a:lvl1pPr marL="0" indent="0" algn="ctr" defTabSz="914400" rtl="0" eaLnBrk="1" latinLnBrk="0" hangingPunct="1">
-              <a:lnSpc>
-                <a:spcPct val="90000"/>
-              </a:lnSpc>
-              <a:spcBef>
-                <a:spcPts val="1000"/>
-              </a:spcBef>
-              <a:buFont typeface="Arial" panose="020B0604020202020204" pitchFamily="34" charset="0"/>
-              <a:buNone/>
-              <a:defRPr sz="2400" kern="1200">
-                <a:solidFill>
-                  <a:schemeClr val="tx1"/>
-                </a:solidFill>
-                <a:latin typeface="+mn-lt"/>
-                <a:ea typeface="+mn-ea"/>
-                <a:cs typeface="+mn-cs"/>
-              </a:defRPr>
-            </a:lvl1pPr>
-            <a:lvl2pPr marL="457200" indent="0" algn="ctr" defTabSz="914400" rtl="0" eaLnBrk="1" latinLnBrk="0" hangingPunct="1">
-              <a:lnSpc>
-                <a:spcPct val="90000"/>
-              </a:lnSpc>
-              <a:spcBef>
-                <a:spcPts val="500"/>
-              </a:spcBef>
-              <a:buFont typeface="Arial" panose="020B0604020202020204" pitchFamily="34" charset="0"/>
-              <a:buNone/>
-              <a:defRPr sz="2000" kern="1200">
-                <a:solidFill>
-                  <a:schemeClr val="tx1"/>
-                </a:solidFill>
-                <a:latin typeface="+mn-lt"/>
-                <a:ea typeface="+mn-ea"/>
-                <a:cs typeface="+mn-cs"/>
-              </a:defRPr>
-            </a:lvl2pPr>
-            <a:lvl3pPr marL="914400" indent="0" algn="ctr" defTabSz="914400" rtl="0" eaLnBrk="1" latinLnBrk="0" hangingPunct="1">
-              <a:lnSpc>
-                <a:spcPct val="90000"/>
-              </a:lnSpc>
-              <a:spcBef>
-                <a:spcPts val="500"/>
-              </a:spcBef>
-              <a:buFont typeface="Arial" panose="020B0604020202020204" pitchFamily="34" charset="0"/>
-              <a:buNone/>
-              <a:defRPr sz="1800" kern="1200">
-                <a:solidFill>
-                  <a:schemeClr val="tx1"/>
-                </a:solidFill>
-                <a:latin typeface="+mn-lt"/>
-                <a:ea typeface="+mn-ea"/>
-                <a:cs typeface="+mn-cs"/>
-              </a:defRPr>
-            </a:lvl3pPr>
-            <a:lvl4pPr marL="1371600" indent="0" algn="ctr" defTabSz="914400" rtl="0" eaLnBrk="1" latinLnBrk="0" hangingPunct="1">
-              <a:lnSpc>
-                <a:spcPct val="90000"/>
-              </a:lnSpc>
-              <a:spcBef>
-                <a:spcPts val="500"/>
-              </a:spcBef>
-              <a:buFont typeface="Arial" panose="020B0604020202020204" pitchFamily="34" charset="0"/>
-              <a:buNone/>
-              <a:defRPr sz="1600" kern="1200">
-                <a:solidFill>
-                  <a:schemeClr val="tx1"/>
-                </a:solidFill>
-                <a:latin typeface="+mn-lt"/>
-                <a:ea typeface="+mn-ea"/>
-                <a:cs typeface="+mn-cs"/>
-              </a:defRPr>
-            </a:lvl4pPr>
-            <a:lvl5pPr marL="1828800" indent="0" algn="ctr" defTabSz="914400" rtl="0" eaLnBrk="1" latinLnBrk="0" hangingPunct="1">
-              <a:lnSpc>
-                <a:spcPct val="90000"/>
-              </a:lnSpc>
-              <a:spcBef>
-                <a:spcPts val="500"/>
-              </a:spcBef>
-              <a:buFont typeface="Arial" panose="020B0604020202020204" pitchFamily="34" charset="0"/>
-              <a:buNone/>
-              <a:defRPr sz="1600" kern="1200">
-                <a:solidFill>
-                  <a:schemeClr val="tx1"/>
-                </a:solidFill>
-                <a:latin typeface="+mn-lt"/>
-                <a:ea typeface="+mn-ea"/>
-                <a:cs typeface="+mn-cs"/>
-              </a:defRPr>
-            </a:lvl5pPr>
-            <a:lvl6pPr marL="2286000" indent="0" algn="ctr" defTabSz="914400" rtl="0" eaLnBrk="1" latinLnBrk="0" hangingPunct="1">
-              <a:lnSpc>
-                <a:spcPct val="90000"/>
-              </a:lnSpc>
-              <a:spcBef>
-                <a:spcPts val="500"/>
-              </a:spcBef>
-              <a:buFont typeface="Arial" panose="020B0604020202020204" pitchFamily="34" charset="0"/>
-              <a:buNone/>
-              <a:defRPr sz="1600" kern="1200">
-                <a:solidFill>
-                  <a:schemeClr val="tx1"/>
-                </a:solidFill>
-                <a:latin typeface="+mn-lt"/>
-                <a:ea typeface="+mn-ea"/>
-                <a:cs typeface="+mn-cs"/>
-              </a:defRPr>
-            </a:lvl6pPr>
-            <a:lvl7pPr marL="2743200" indent="0" algn="ctr" defTabSz="914400" rtl="0" eaLnBrk="1" latinLnBrk="0" hangingPunct="1">
-              <a:lnSpc>
-                <a:spcPct val="90000"/>
-              </a:lnSpc>
-              <a:spcBef>
-                <a:spcPts val="500"/>
-              </a:spcBef>
-              <a:buFont typeface="Arial" panose="020B0604020202020204" pitchFamily="34" charset="0"/>
-              <a:buNone/>
-              <a:defRPr sz="1600" kern="1200">
-                <a:solidFill>
-                  <a:schemeClr val="tx1"/>
-                </a:solidFill>
-                <a:latin typeface="+mn-lt"/>
-                <a:ea typeface="+mn-ea"/>
-                <a:cs typeface="+mn-cs"/>
-              </a:defRPr>
-            </a:lvl7pPr>
-            <a:lvl8pPr marL="3200400" indent="0" algn="ctr" defTabSz="914400" rtl="0" eaLnBrk="1" latinLnBrk="0" hangingPunct="1">
-              <a:lnSpc>
-                <a:spcPct val="90000"/>
-              </a:lnSpc>
-              <a:spcBef>
-                <a:spcPts val="500"/>
-              </a:spcBef>
-              <a:buFont typeface="Arial" panose="020B0604020202020204" pitchFamily="34" charset="0"/>
-              <a:buNone/>
-              <a:defRPr sz="1600" kern="1200">
-                <a:solidFill>
-                  <a:schemeClr val="tx1"/>
-                </a:solidFill>
-                <a:latin typeface="+mn-lt"/>
-                <a:ea typeface="+mn-ea"/>
-                <a:cs typeface="+mn-cs"/>
-              </a:defRPr>
-            </a:lvl8pPr>
-            <a:lvl9pPr marL="3657600" indent="0" algn="ctr" defTabSz="914400" rtl="0" eaLnBrk="1" latinLnBrk="0" hangingPunct="1">
-              <a:lnSpc>
-                <a:spcPct val="90000"/>
-              </a:lnSpc>
-              <a:spcBef>
-                <a:spcPts val="500"/>
-              </a:spcBef>
-              <a:buFont typeface="Arial" panose="020B0604020202020204" pitchFamily="34" charset="0"/>
-              <a:buNone/>
-              <a:defRPr sz="1600" kern="1200">
-                <a:solidFill>
-                  <a:schemeClr val="tx1"/>
-                </a:solidFill>
-                <a:latin typeface="+mn-lt"/>
-                <a:ea typeface="+mn-ea"/>
-                <a:cs typeface="+mn-cs"/>
-              </a:defRPr>
-            </a:lvl9pPr>
-          </a:lstStyle>
-          <a:p>
-            <a:r>
-              <a:rPr lang="fr-FR" dirty="0"/>
-              <a:t>Le Groupe BNP PF IT voulait changer le design de leur interface ou il affichait des fichiers reçus par le client.</a:t>
-            </a:r>
-          </a:p>
-          <a:p>
-            <a:r>
-              <a:rPr lang="fr-FR" dirty="0"/>
-              <a:t>Donc j’ai créé une nouvelle interface web.</a:t>
-            </a:r>
-          </a:p>
-        </p:txBody>
-      </p:sp>
+      </p:pic>
     </p:spTree>
-    <p:extLst>
-      <p:ext uri="{BB962C8B-B14F-4D97-AF65-F5344CB8AC3E}">
-        <p14:creationId xmlns:p14="http://schemas.microsoft.com/office/powerpoint/2010/main" val="939434709"/>
-      </p:ext>
-    </p:extLst>
   </p:cSld>
   <p:clrMapOvr>
     <a:masterClrMapping/>
@@ -3687,31 +3405,338 @@
           <p:cNvPr id="2" name="Titre 1">
             <a:extLst>
               <a:ext uri="{FF2B5EF4-FFF2-40B4-BE49-F238E27FC236}">
-                <a16:creationId xmlns:a16="http://schemas.microsoft.com/office/drawing/2014/main" id="{8CB8C52A-51A2-7254-901C-81DD042BD43A}"/>
-              </a:ext>
-            </a:extLst>
-          </p:cNvPr>
-          <p:cNvSpPr>
-            <a:spLocks noGrp="1"/>
-          </p:cNvSpPr>
-          <p:nvPr>
-            <p:ph type="title"/>
+                <a16:creationId xmlns:a16="http://schemas.microsoft.com/office/drawing/2014/main" xmlns="" id="{628C1CA6-97B9-8EC8-C00F-062945502EF8}"/>
+              </a:ext>
+            </a:extLst>
+          </p:cNvPr>
+          <p:cNvSpPr>
+            <a:spLocks noGrp="1"/>
+          </p:cNvSpPr>
+          <p:nvPr>
+            <p:ph type="ctrTitle"/>
           </p:nvPr>
         </p:nvSpPr>
         <p:spPr>
           <a:xfrm>
-            <a:off x="838200" y="2667751"/>
-            <a:ext cx="10515600" cy="1325563"/>
+            <a:off x="1524000" y="354563"/>
+            <a:ext cx="9144000" cy="981367"/>
           </a:xfrm>
         </p:spPr>
         <p:txBody>
           <a:bodyPr/>
           <a:lstStyle/>
           <a:p>
-            <a:pPr algn="ctr"/>
             <a:r>
               <a:rPr lang="fr-FR" dirty="0"/>
-              <a:t>CODE HTML</a:t>
+              <a:t>BESOIN :</a:t>
+            </a:r>
+          </a:p>
+        </p:txBody>
+      </p:sp>
+      <p:sp>
+        <p:nvSpPr>
+          <p:cNvPr id="3" name="Sous-titre 2">
+            <a:extLst>
+              <a:ext uri="{FF2B5EF4-FFF2-40B4-BE49-F238E27FC236}">
+                <a16:creationId xmlns:a16="http://schemas.microsoft.com/office/drawing/2014/main" xmlns="" id="{8396EF29-53D7-87A8-876A-68900C4A5A80}"/>
+              </a:ext>
+            </a:extLst>
+          </p:cNvPr>
+          <p:cNvSpPr>
+            <a:spLocks noGrp="1"/>
+          </p:cNvSpPr>
+          <p:nvPr>
+            <p:ph type="subTitle" idx="1"/>
+          </p:nvPr>
+        </p:nvSpPr>
+        <p:spPr>
+          <a:xfrm>
+            <a:off x="1524000" y="1698592"/>
+            <a:ext cx="9144000" cy="1655762"/>
+          </a:xfrm>
+        </p:spPr>
+        <p:txBody>
+          <a:bodyPr/>
+          <a:lstStyle/>
+          <a:p>
+            <a:r>
+              <a:rPr lang="fr-FR" dirty="0"/>
+              <a:t>Création d’une interface web (intranet) à la demande du groupe BNP PF IT (Groupe ou j’ai effectué mon stage)</a:t>
+            </a:r>
+          </a:p>
+        </p:txBody>
+      </p:sp>
+      <p:sp>
+        <p:nvSpPr>
+          <p:cNvPr id="4" name="Titre 1">
+            <a:extLst>
+              <a:ext uri="{FF2B5EF4-FFF2-40B4-BE49-F238E27FC236}">
+                <a16:creationId xmlns:a16="http://schemas.microsoft.com/office/drawing/2014/main" xmlns="" id="{B23572BC-FB7B-A3C3-00B6-8F8765068310}"/>
+              </a:ext>
+            </a:extLst>
+          </p:cNvPr>
+          <p:cNvSpPr txBox="1">
+            <a:spLocks/>
+          </p:cNvSpPr>
+          <p:nvPr/>
+        </p:nvSpPr>
+        <p:spPr>
+          <a:xfrm>
+            <a:off x="1524000" y="3012963"/>
+            <a:ext cx="9144000" cy="981367"/>
+          </a:xfrm>
+          <a:prstGeom prst="rect">
+            <a:avLst/>
+          </a:prstGeom>
+        </p:spPr>
+        <p:txBody>
+          <a:bodyPr vert="horz" lIns="91440" tIns="45720" rIns="91440" bIns="45720" rtlCol="0" anchor="b">
+            <a:normAutofit/>
+          </a:bodyPr>
+          <a:lstStyle>
+            <a:lvl1pPr algn="ctr" defTabSz="914400" rtl="0" eaLnBrk="1" latinLnBrk="0" hangingPunct="1">
+              <a:lnSpc>
+                <a:spcPct val="90000"/>
+              </a:lnSpc>
+              <a:spcBef>
+                <a:spcPct val="0"/>
+              </a:spcBef>
+              <a:buNone/>
+              <a:defRPr sz="6000" kern="1200">
+                <a:solidFill>
+                  <a:schemeClr val="tx1"/>
+                </a:solidFill>
+                <a:latin typeface="+mj-lt"/>
+                <a:ea typeface="+mj-ea"/>
+                <a:cs typeface="+mj-cs"/>
+              </a:defRPr>
+            </a:lvl1pPr>
+          </a:lstStyle>
+          <a:p>
+            <a:r>
+              <a:rPr lang="fr-FR" dirty="0"/>
+              <a:t>BUT  :</a:t>
+            </a:r>
+          </a:p>
+        </p:txBody>
+      </p:sp>
+      <p:sp>
+        <p:nvSpPr>
+          <p:cNvPr id="5" name="Sous-titre 2">
+            <a:extLst>
+              <a:ext uri="{FF2B5EF4-FFF2-40B4-BE49-F238E27FC236}">
+                <a16:creationId xmlns:a16="http://schemas.microsoft.com/office/drawing/2014/main" xmlns="" id="{366AD0CA-A4E8-3441-DCAC-BA0DBBD7C2E5}"/>
+              </a:ext>
+            </a:extLst>
+          </p:cNvPr>
+          <p:cNvSpPr txBox="1">
+            <a:spLocks/>
+          </p:cNvSpPr>
+          <p:nvPr/>
+        </p:nvSpPr>
+        <p:spPr>
+          <a:xfrm>
+            <a:off x="1524000" y="4480820"/>
+            <a:ext cx="9144000" cy="1655762"/>
+          </a:xfrm>
+          <a:prstGeom prst="rect">
+            <a:avLst/>
+          </a:prstGeom>
+        </p:spPr>
+        <p:txBody>
+          <a:bodyPr vert="horz" lIns="91440" tIns="45720" rIns="91440" bIns="45720" rtlCol="0">
+            <a:normAutofit/>
+          </a:bodyPr>
+          <a:lstStyle>
+            <a:lvl1pPr marL="0" indent="0" algn="ctr" defTabSz="914400" rtl="0" eaLnBrk="1" latinLnBrk="0" hangingPunct="1">
+              <a:lnSpc>
+                <a:spcPct val="90000"/>
+              </a:lnSpc>
+              <a:spcBef>
+                <a:spcPts val="1000"/>
+              </a:spcBef>
+              <a:buFont typeface="Arial" panose="020B0604020202020204" pitchFamily="34" charset="0"/>
+              <a:buNone/>
+              <a:defRPr sz="2400" kern="1200">
+                <a:solidFill>
+                  <a:schemeClr val="tx1"/>
+                </a:solidFill>
+                <a:latin typeface="+mn-lt"/>
+                <a:ea typeface="+mn-ea"/>
+                <a:cs typeface="+mn-cs"/>
+              </a:defRPr>
+            </a:lvl1pPr>
+            <a:lvl2pPr marL="457200" indent="0" algn="ctr" defTabSz="914400" rtl="0" eaLnBrk="1" latinLnBrk="0" hangingPunct="1">
+              <a:lnSpc>
+                <a:spcPct val="90000"/>
+              </a:lnSpc>
+              <a:spcBef>
+                <a:spcPts val="500"/>
+              </a:spcBef>
+              <a:buFont typeface="Arial" panose="020B0604020202020204" pitchFamily="34" charset="0"/>
+              <a:buNone/>
+              <a:defRPr sz="2000" kern="1200">
+                <a:solidFill>
+                  <a:schemeClr val="tx1"/>
+                </a:solidFill>
+                <a:latin typeface="+mn-lt"/>
+                <a:ea typeface="+mn-ea"/>
+                <a:cs typeface="+mn-cs"/>
+              </a:defRPr>
+            </a:lvl2pPr>
+            <a:lvl3pPr marL="914400" indent="0" algn="ctr" defTabSz="914400" rtl="0" eaLnBrk="1" latinLnBrk="0" hangingPunct="1">
+              <a:lnSpc>
+                <a:spcPct val="90000"/>
+              </a:lnSpc>
+              <a:spcBef>
+                <a:spcPts val="500"/>
+              </a:spcBef>
+              <a:buFont typeface="Arial" panose="020B0604020202020204" pitchFamily="34" charset="0"/>
+              <a:buNone/>
+              <a:defRPr sz="1800" kern="1200">
+                <a:solidFill>
+                  <a:schemeClr val="tx1"/>
+                </a:solidFill>
+                <a:latin typeface="+mn-lt"/>
+                <a:ea typeface="+mn-ea"/>
+                <a:cs typeface="+mn-cs"/>
+              </a:defRPr>
+            </a:lvl3pPr>
+            <a:lvl4pPr marL="1371600" indent="0" algn="ctr" defTabSz="914400" rtl="0" eaLnBrk="1" latinLnBrk="0" hangingPunct="1">
+              <a:lnSpc>
+                <a:spcPct val="90000"/>
+              </a:lnSpc>
+              <a:spcBef>
+                <a:spcPts val="500"/>
+              </a:spcBef>
+              <a:buFont typeface="Arial" panose="020B0604020202020204" pitchFamily="34" charset="0"/>
+              <a:buNone/>
+              <a:defRPr sz="1600" kern="1200">
+                <a:solidFill>
+                  <a:schemeClr val="tx1"/>
+                </a:solidFill>
+                <a:latin typeface="+mn-lt"/>
+                <a:ea typeface="+mn-ea"/>
+                <a:cs typeface="+mn-cs"/>
+              </a:defRPr>
+            </a:lvl4pPr>
+            <a:lvl5pPr marL="1828800" indent="0" algn="ctr" defTabSz="914400" rtl="0" eaLnBrk="1" latinLnBrk="0" hangingPunct="1">
+              <a:lnSpc>
+                <a:spcPct val="90000"/>
+              </a:lnSpc>
+              <a:spcBef>
+                <a:spcPts val="500"/>
+              </a:spcBef>
+              <a:buFont typeface="Arial" panose="020B0604020202020204" pitchFamily="34" charset="0"/>
+              <a:buNone/>
+              <a:defRPr sz="1600" kern="1200">
+                <a:solidFill>
+                  <a:schemeClr val="tx1"/>
+                </a:solidFill>
+                <a:latin typeface="+mn-lt"/>
+                <a:ea typeface="+mn-ea"/>
+                <a:cs typeface="+mn-cs"/>
+              </a:defRPr>
+            </a:lvl5pPr>
+            <a:lvl6pPr marL="2286000" indent="0" algn="ctr" defTabSz="914400" rtl="0" eaLnBrk="1" latinLnBrk="0" hangingPunct="1">
+              <a:lnSpc>
+                <a:spcPct val="90000"/>
+              </a:lnSpc>
+              <a:spcBef>
+                <a:spcPts val="500"/>
+              </a:spcBef>
+              <a:buFont typeface="Arial" panose="020B0604020202020204" pitchFamily="34" charset="0"/>
+              <a:buNone/>
+              <a:defRPr sz="1600" kern="1200">
+                <a:solidFill>
+                  <a:schemeClr val="tx1"/>
+                </a:solidFill>
+                <a:latin typeface="+mn-lt"/>
+                <a:ea typeface="+mn-ea"/>
+                <a:cs typeface="+mn-cs"/>
+              </a:defRPr>
+            </a:lvl6pPr>
+            <a:lvl7pPr marL="2743200" indent="0" algn="ctr" defTabSz="914400" rtl="0" eaLnBrk="1" latinLnBrk="0" hangingPunct="1">
+              <a:lnSpc>
+                <a:spcPct val="90000"/>
+              </a:lnSpc>
+              <a:spcBef>
+                <a:spcPts val="500"/>
+              </a:spcBef>
+              <a:buFont typeface="Arial" panose="020B0604020202020204" pitchFamily="34" charset="0"/>
+              <a:buNone/>
+              <a:defRPr sz="1600" kern="1200">
+                <a:solidFill>
+                  <a:schemeClr val="tx1"/>
+                </a:solidFill>
+                <a:latin typeface="+mn-lt"/>
+                <a:ea typeface="+mn-ea"/>
+                <a:cs typeface="+mn-cs"/>
+              </a:defRPr>
+            </a:lvl7pPr>
+            <a:lvl8pPr marL="3200400" indent="0" algn="ctr" defTabSz="914400" rtl="0" eaLnBrk="1" latinLnBrk="0" hangingPunct="1">
+              <a:lnSpc>
+                <a:spcPct val="90000"/>
+              </a:lnSpc>
+              <a:spcBef>
+                <a:spcPts val="500"/>
+              </a:spcBef>
+              <a:buFont typeface="Arial" panose="020B0604020202020204" pitchFamily="34" charset="0"/>
+              <a:buNone/>
+              <a:defRPr sz="1600" kern="1200">
+                <a:solidFill>
+                  <a:schemeClr val="tx1"/>
+                </a:solidFill>
+                <a:latin typeface="+mn-lt"/>
+                <a:ea typeface="+mn-ea"/>
+                <a:cs typeface="+mn-cs"/>
+              </a:defRPr>
+            </a:lvl8pPr>
+            <a:lvl9pPr marL="3657600" indent="0" algn="ctr" defTabSz="914400" rtl="0" eaLnBrk="1" latinLnBrk="0" hangingPunct="1">
+              <a:lnSpc>
+                <a:spcPct val="90000"/>
+              </a:lnSpc>
+              <a:spcBef>
+                <a:spcPts val="500"/>
+              </a:spcBef>
+              <a:buFont typeface="Arial" panose="020B0604020202020204" pitchFamily="34" charset="0"/>
+              <a:buNone/>
+              <a:defRPr sz="1600" kern="1200">
+                <a:solidFill>
+                  <a:schemeClr val="tx1"/>
+                </a:solidFill>
+                <a:latin typeface="+mn-lt"/>
+                <a:ea typeface="+mn-ea"/>
+                <a:cs typeface="+mn-cs"/>
+              </a:defRPr>
+            </a:lvl9pPr>
+          </a:lstStyle>
+          <a:p>
+            <a:r>
+              <a:rPr lang="fr-FR" dirty="0"/>
+              <a:t>Le Groupe BNP PF IT voulait changer le design de leur interface </a:t>
+            </a:r>
+            <a:r>
+              <a:rPr lang="fr-FR" dirty="0" smtClean="0"/>
+              <a:t>o</a:t>
+            </a:r>
+            <a:r>
+              <a:rPr lang="fr-FR" dirty="0" smtClean="0"/>
+              <a:t>ù</a:t>
+            </a:r>
+            <a:r>
+              <a:rPr lang="fr-FR" dirty="0" smtClean="0"/>
+              <a:t> </a:t>
+            </a:r>
+            <a:r>
+              <a:rPr lang="fr-FR" dirty="0"/>
+              <a:t>il affichait des fichiers reçus par le client.</a:t>
+            </a:r>
+          </a:p>
+          <a:p>
+            <a:r>
+              <a:rPr lang="fr-FR" dirty="0"/>
+              <a:t>Donc j’ai créé une nouvelle interface web.</a:t>
             </a:r>
           </a:p>
         </p:txBody>
@@ -3719,7 +3744,7 @@
     </p:spTree>
     <p:extLst>
       <p:ext uri="{BB962C8B-B14F-4D97-AF65-F5344CB8AC3E}">
-        <p14:creationId xmlns:p14="http://schemas.microsoft.com/office/powerpoint/2010/main" val="2308447472"/>
+        <p14:creationId xmlns:p14="http://schemas.microsoft.com/office/powerpoint/2010/main" xmlns="" val="939434709"/>
       </p:ext>
     </p:extLst>
   </p:cSld>
@@ -3746,12 +3771,76 @@
           <a:chExt cx="0" cy="0"/>
         </a:xfrm>
       </p:grpSpPr>
+      <p:sp>
+        <p:nvSpPr>
+          <p:cNvPr id="2" name="Titre 1">
+            <a:extLst>
+              <a:ext uri="{FF2B5EF4-FFF2-40B4-BE49-F238E27FC236}">
+                <a16:creationId xmlns:a16="http://schemas.microsoft.com/office/drawing/2014/main" xmlns="" id="{8CB8C52A-51A2-7254-901C-81DD042BD43A}"/>
+              </a:ext>
+            </a:extLst>
+          </p:cNvPr>
+          <p:cNvSpPr>
+            <a:spLocks noGrp="1"/>
+          </p:cNvSpPr>
+          <p:nvPr>
+            <p:ph type="title"/>
+          </p:nvPr>
+        </p:nvSpPr>
+        <p:spPr>
+          <a:xfrm>
+            <a:off x="838200" y="2667751"/>
+            <a:ext cx="10515600" cy="1325563"/>
+          </a:xfrm>
+        </p:spPr>
+        <p:txBody>
+          <a:bodyPr/>
+          <a:lstStyle/>
+          <a:p>
+            <a:pPr algn="ctr"/>
+            <a:r>
+              <a:rPr lang="fr-FR" dirty="0"/>
+              <a:t>CODE HTML</a:t>
+            </a:r>
+          </a:p>
+        </p:txBody>
+      </p:sp>
+    </p:spTree>
+    <p:extLst>
+      <p:ext uri="{BB962C8B-B14F-4D97-AF65-F5344CB8AC3E}">
+        <p14:creationId xmlns:p14="http://schemas.microsoft.com/office/powerpoint/2010/main" xmlns="" val="2308447472"/>
+      </p:ext>
+    </p:extLst>
+  </p:cSld>
+  <p:clrMapOvr>
+    <a:masterClrMapping/>
+  </p:clrMapOvr>
+</p:sld>
+</file>
+
+<file path=ppt/slides/slide4.xml><?xml version="1.0" encoding="utf-8"?>
+<p:sld xmlns:a="http://schemas.openxmlformats.org/drawingml/2006/main" xmlns:r="http://schemas.openxmlformats.org/officeDocument/2006/relationships" xmlns:p="http://schemas.openxmlformats.org/presentationml/2006/main">
+  <p:cSld>
+    <p:spTree>
+      <p:nvGrpSpPr>
+        <p:cNvPr id="1" name=""/>
+        <p:cNvGrpSpPr/>
+        <p:nvPr/>
+      </p:nvGrpSpPr>
+      <p:grpSpPr>
+        <a:xfrm>
+          <a:off x="0" y="0"/>
+          <a:ext cx="0" cy="0"/>
+          <a:chOff x="0" y="0"/>
+          <a:chExt cx="0" cy="0"/>
+        </a:xfrm>
+      </p:grpSpPr>
       <p:pic>
         <p:nvPicPr>
           <p:cNvPr id="5" name="Espace réservé du contenu 4" descr="Une image contenant texte, capture d’écran">
             <a:extLst>
               <a:ext uri="{FF2B5EF4-FFF2-40B4-BE49-F238E27FC236}">
-                <a16:creationId xmlns:a16="http://schemas.microsoft.com/office/drawing/2014/main" id="{65A1ED39-C4F9-EF84-7F9F-9C3C4D0F33F3}"/>
+                <a16:creationId xmlns:a16="http://schemas.microsoft.com/office/drawing/2014/main" xmlns="" id="{65A1ED39-C4F9-EF84-7F9F-9C3C4D0F33F3}"/>
               </a:ext>
             </a:extLst>
           </p:cNvPr>
@@ -3763,10 +3852,10 @@
           </p:nvPr>
         </p:nvPicPr>
         <p:blipFill>
-          <a:blip r:embed="rId2">
+          <a:blip r:embed="rId2" cstate="print">
             <a:extLst>
               <a:ext uri="{28A0092B-C50C-407E-A947-70E740481C1C}">
-                <a14:useLocalDpi xmlns:a14="http://schemas.microsoft.com/office/drawing/2010/main" val="0"/>
+                <a14:useLocalDpi xmlns:a14="http://schemas.microsoft.com/office/drawing/2010/main" xmlns="" val="0"/>
               </a:ext>
             </a:extLst>
           </a:blip>
@@ -3786,7 +3875,7 @@
           <p:cNvPr id="7" name="Image 6">
             <a:extLst>
               <a:ext uri="{FF2B5EF4-FFF2-40B4-BE49-F238E27FC236}">
-                <a16:creationId xmlns:a16="http://schemas.microsoft.com/office/drawing/2014/main" id="{22552D4F-775E-7486-9336-F217F2E134BE}"/>
+                <a16:creationId xmlns:a16="http://schemas.microsoft.com/office/drawing/2014/main" xmlns="" id="{22552D4F-775E-7486-9336-F217F2E134BE}"/>
               </a:ext>
             </a:extLst>
           </p:cNvPr>
@@ -3796,7 +3885,7 @@
           <p:nvPr/>
         </p:nvPicPr>
         <p:blipFill>
-          <a:blip r:embed="rId3"/>
+          <a:blip r:embed="rId3" cstate="print"/>
           <a:stretch>
             <a:fillRect/>
           </a:stretch>
@@ -3816,7 +3905,7 @@
           <p:cNvPr id="8" name="ZoneTexte 7">
             <a:extLst>
               <a:ext uri="{FF2B5EF4-FFF2-40B4-BE49-F238E27FC236}">
-                <a16:creationId xmlns:a16="http://schemas.microsoft.com/office/drawing/2014/main" id="{7DBB1BAA-C395-9CBE-60F7-F53695F4FA8E}"/>
+                <a16:creationId xmlns:a16="http://schemas.microsoft.com/office/drawing/2014/main" xmlns="" id="{7DBB1BAA-C395-9CBE-60F7-F53695F4FA8E}"/>
               </a:ext>
             </a:extLst>
           </p:cNvPr>
@@ -3855,7 +3944,7 @@
           <p:cNvPr id="11" name="Rectangle 10">
             <a:extLst>
               <a:ext uri="{FF2B5EF4-FFF2-40B4-BE49-F238E27FC236}">
-                <a16:creationId xmlns:a16="http://schemas.microsoft.com/office/drawing/2014/main" id="{B36E83CE-1CB0-FC7F-5298-314F55C01A0E}"/>
+                <a16:creationId xmlns:a16="http://schemas.microsoft.com/office/drawing/2014/main" xmlns="" id="{B36E83CE-1CB0-FC7F-5298-314F55C01A0E}"/>
               </a:ext>
             </a:extLst>
           </p:cNvPr>
@@ -3905,71 +3994,7 @@
     </p:spTree>
     <p:extLst>
       <p:ext uri="{BB962C8B-B14F-4D97-AF65-F5344CB8AC3E}">
-        <p14:creationId xmlns:p14="http://schemas.microsoft.com/office/powerpoint/2010/main" val="606927350"/>
-      </p:ext>
-    </p:extLst>
-  </p:cSld>
-  <p:clrMapOvr>
-    <a:masterClrMapping/>
-  </p:clrMapOvr>
-</p:sld>
-</file>
-
-<file path=ppt/slides/slide4.xml><?xml version="1.0" encoding="utf-8"?>
-<p:sld xmlns:a="http://schemas.openxmlformats.org/drawingml/2006/main" xmlns:r="http://schemas.openxmlformats.org/officeDocument/2006/relationships" xmlns:p="http://schemas.openxmlformats.org/presentationml/2006/main">
-  <p:cSld>
-    <p:spTree>
-      <p:nvGrpSpPr>
-        <p:cNvPr id="1" name=""/>
-        <p:cNvGrpSpPr/>
-        <p:nvPr/>
-      </p:nvGrpSpPr>
-      <p:grpSpPr>
-        <a:xfrm>
-          <a:off x="0" y="0"/>
-          <a:ext cx="0" cy="0"/>
-          <a:chOff x="0" y="0"/>
-          <a:chExt cx="0" cy="0"/>
-        </a:xfrm>
-      </p:grpSpPr>
-      <p:sp>
-        <p:nvSpPr>
-          <p:cNvPr id="2" name="Titre 1">
-            <a:extLst>
-              <a:ext uri="{FF2B5EF4-FFF2-40B4-BE49-F238E27FC236}">
-                <a16:creationId xmlns:a16="http://schemas.microsoft.com/office/drawing/2014/main" id="{F878E70F-CED1-67BB-ACC6-13F385FAFD35}"/>
-              </a:ext>
-            </a:extLst>
-          </p:cNvPr>
-          <p:cNvSpPr>
-            <a:spLocks noGrp="1"/>
-          </p:cNvSpPr>
-          <p:nvPr>
-            <p:ph type="title"/>
-          </p:nvPr>
-        </p:nvSpPr>
-        <p:spPr>
-          <a:xfrm>
-            <a:off x="838200" y="2766218"/>
-            <a:ext cx="10515600" cy="1325563"/>
-          </a:xfrm>
-        </p:spPr>
-        <p:txBody>
-          <a:bodyPr/>
-          <a:lstStyle/>
-          <a:p>
-            <a:pPr algn="ctr"/>
-            <a:r>
-              <a:rPr lang="fr-FR" dirty="0"/>
-              <a:t>CODE CSS</a:t>
-            </a:r>
-          </a:p>
-        </p:txBody>
-      </p:sp>
-    </p:spTree>
-    <p:extLst>
-      <p:ext uri="{BB962C8B-B14F-4D97-AF65-F5344CB8AC3E}">
-        <p14:creationId xmlns:p14="http://schemas.microsoft.com/office/powerpoint/2010/main" val="215895518"/>
+        <p14:creationId xmlns:p14="http://schemas.microsoft.com/office/powerpoint/2010/main" xmlns="" val="606927350"/>
       </p:ext>
     </p:extLst>
   </p:cSld>
@@ -3996,39 +4021,44 @@
           <a:chExt cx="0" cy="0"/>
         </a:xfrm>
       </p:grpSpPr>
-      <p:pic>
-        <p:nvPicPr>
-          <p:cNvPr id="5" name="Espace réservé du contenu 4">
-            <a:extLst>
-              <a:ext uri="{FF2B5EF4-FFF2-40B4-BE49-F238E27FC236}">
-                <a16:creationId xmlns:a16="http://schemas.microsoft.com/office/drawing/2014/main" id="{93398844-3B53-5160-80F1-E4C85AB11C26}"/>
-              </a:ext>
-            </a:extLst>
-          </p:cNvPr>
-          <p:cNvPicPr>
-            <a:picLocks noGrp="1" noChangeAspect="1"/>
-          </p:cNvPicPr>
-          <p:nvPr>
-            <p:ph idx="1"/>
-          </p:nvPr>
-        </p:nvPicPr>
-        <p:blipFill>
-          <a:blip r:embed="rId2"/>
-          <a:stretch>
-            <a:fillRect/>
-          </a:stretch>
-        </p:blipFill>
+      <p:sp>
+        <p:nvSpPr>
+          <p:cNvPr id="2" name="Titre 1">
+            <a:extLst>
+              <a:ext uri="{FF2B5EF4-FFF2-40B4-BE49-F238E27FC236}">
+                <a16:creationId xmlns:a16="http://schemas.microsoft.com/office/drawing/2014/main" xmlns="" id="{F878E70F-CED1-67BB-ACC6-13F385FAFD35}"/>
+              </a:ext>
+            </a:extLst>
+          </p:cNvPr>
+          <p:cNvSpPr>
+            <a:spLocks noGrp="1"/>
+          </p:cNvSpPr>
+          <p:nvPr>
+            <p:ph type="title"/>
+          </p:nvPr>
+        </p:nvSpPr>
         <p:spPr>
           <a:xfrm>
-            <a:off x="4027828" y="108327"/>
-            <a:ext cx="4136344" cy="6641346"/>
+            <a:off x="838200" y="2766218"/>
+            <a:ext cx="10515600" cy="1325563"/>
           </a:xfrm>
         </p:spPr>
-      </p:pic>
+        <p:txBody>
+          <a:bodyPr/>
+          <a:lstStyle/>
+          <a:p>
+            <a:pPr algn="ctr"/>
+            <a:r>
+              <a:rPr lang="fr-FR" dirty="0"/>
+              <a:t>CODE CSS</a:t>
+            </a:r>
+          </a:p>
+        </p:txBody>
+      </p:sp>
     </p:spTree>
     <p:extLst>
       <p:ext uri="{BB962C8B-B14F-4D97-AF65-F5344CB8AC3E}">
-        <p14:creationId xmlns:p14="http://schemas.microsoft.com/office/powerpoint/2010/main" val="4121273452"/>
+        <p14:creationId xmlns:p14="http://schemas.microsoft.com/office/powerpoint/2010/main" xmlns="" val="215895518"/>
       </p:ext>
     </p:extLst>
   </p:cSld>
@@ -4055,44 +4085,39 @@
           <a:chExt cx="0" cy="0"/>
         </a:xfrm>
       </p:grpSpPr>
-      <p:sp>
-        <p:nvSpPr>
-          <p:cNvPr id="2" name="Titre 1">
-            <a:extLst>
-              <a:ext uri="{FF2B5EF4-FFF2-40B4-BE49-F238E27FC236}">
-                <a16:creationId xmlns:a16="http://schemas.microsoft.com/office/drawing/2014/main" id="{8288108A-CA20-9959-9992-AF036B752233}"/>
-              </a:ext>
-            </a:extLst>
-          </p:cNvPr>
-          <p:cNvSpPr>
-            <a:spLocks noGrp="1"/>
-          </p:cNvSpPr>
-          <p:nvPr>
-            <p:ph type="title"/>
-          </p:nvPr>
-        </p:nvSpPr>
+      <p:pic>
+        <p:nvPicPr>
+          <p:cNvPr id="5" name="Espace réservé du contenu 4">
+            <a:extLst>
+              <a:ext uri="{FF2B5EF4-FFF2-40B4-BE49-F238E27FC236}">
+                <a16:creationId xmlns:a16="http://schemas.microsoft.com/office/drawing/2014/main" xmlns="" id="{93398844-3B53-5160-80F1-E4C85AB11C26}"/>
+              </a:ext>
+            </a:extLst>
+          </p:cNvPr>
+          <p:cNvPicPr>
+            <a:picLocks noGrp="1" noChangeAspect="1"/>
+          </p:cNvPicPr>
+          <p:nvPr>
+            <p:ph idx="1"/>
+          </p:nvPr>
+        </p:nvPicPr>
+        <p:blipFill>
+          <a:blip r:embed="rId2" cstate="print"/>
+          <a:stretch>
+            <a:fillRect/>
+          </a:stretch>
+        </p:blipFill>
         <p:spPr>
           <a:xfrm>
-            <a:off x="838200" y="2766218"/>
-            <a:ext cx="10515600" cy="1325563"/>
+            <a:off x="4027828" y="108327"/>
+            <a:ext cx="4136344" cy="6641346"/>
           </a:xfrm>
         </p:spPr>
-        <p:txBody>
-          <a:bodyPr/>
-          <a:lstStyle/>
-          <a:p>
-            <a:pPr algn="ctr"/>
-            <a:r>
-              <a:rPr lang="fr-FR" dirty="0"/>
-              <a:t>CODE JAVASCRIPT</a:t>
-            </a:r>
-          </a:p>
-        </p:txBody>
-      </p:sp>
+      </p:pic>
     </p:spTree>
     <p:extLst>
       <p:ext uri="{BB962C8B-B14F-4D97-AF65-F5344CB8AC3E}">
-        <p14:creationId xmlns:p14="http://schemas.microsoft.com/office/powerpoint/2010/main" val="2940175925"/>
+        <p14:creationId xmlns:p14="http://schemas.microsoft.com/office/powerpoint/2010/main" xmlns="" val="4121273452"/>
       </p:ext>
     </p:extLst>
   </p:cSld>
@@ -4119,12 +4144,76 @@
           <a:chExt cx="0" cy="0"/>
         </a:xfrm>
       </p:grpSpPr>
+      <p:sp>
+        <p:nvSpPr>
+          <p:cNvPr id="2" name="Titre 1">
+            <a:extLst>
+              <a:ext uri="{FF2B5EF4-FFF2-40B4-BE49-F238E27FC236}">
+                <a16:creationId xmlns:a16="http://schemas.microsoft.com/office/drawing/2014/main" xmlns="" id="{8288108A-CA20-9959-9992-AF036B752233}"/>
+              </a:ext>
+            </a:extLst>
+          </p:cNvPr>
+          <p:cNvSpPr>
+            <a:spLocks noGrp="1"/>
+          </p:cNvSpPr>
+          <p:nvPr>
+            <p:ph type="title"/>
+          </p:nvPr>
+        </p:nvSpPr>
+        <p:spPr>
+          <a:xfrm>
+            <a:off x="838200" y="2766218"/>
+            <a:ext cx="10515600" cy="1325563"/>
+          </a:xfrm>
+        </p:spPr>
+        <p:txBody>
+          <a:bodyPr/>
+          <a:lstStyle/>
+          <a:p>
+            <a:pPr algn="ctr"/>
+            <a:r>
+              <a:rPr lang="fr-FR" dirty="0"/>
+              <a:t>CODE JAVASCRIPT</a:t>
+            </a:r>
+          </a:p>
+        </p:txBody>
+      </p:sp>
+    </p:spTree>
+    <p:extLst>
+      <p:ext uri="{BB962C8B-B14F-4D97-AF65-F5344CB8AC3E}">
+        <p14:creationId xmlns:p14="http://schemas.microsoft.com/office/powerpoint/2010/main" xmlns="" val="2940175925"/>
+      </p:ext>
+    </p:extLst>
+  </p:cSld>
+  <p:clrMapOvr>
+    <a:masterClrMapping/>
+  </p:clrMapOvr>
+</p:sld>
+</file>
+
+<file path=ppt/slides/slide8.xml><?xml version="1.0" encoding="utf-8"?>
+<p:sld xmlns:a="http://schemas.openxmlformats.org/drawingml/2006/main" xmlns:r="http://schemas.openxmlformats.org/officeDocument/2006/relationships" xmlns:p="http://schemas.openxmlformats.org/presentationml/2006/main">
+  <p:cSld>
+    <p:spTree>
+      <p:nvGrpSpPr>
+        <p:cNvPr id="1" name=""/>
+        <p:cNvGrpSpPr/>
+        <p:nvPr/>
+      </p:nvGrpSpPr>
+      <p:grpSpPr>
+        <a:xfrm>
+          <a:off x="0" y="0"/>
+          <a:ext cx="0" cy="0"/>
+          <a:chOff x="0" y="0"/>
+          <a:chExt cx="0" cy="0"/>
+        </a:xfrm>
+      </p:grpSpPr>
       <p:pic>
         <p:nvPicPr>
           <p:cNvPr id="5" name="Espace réservé du contenu 4">
             <a:extLst>
               <a:ext uri="{FF2B5EF4-FFF2-40B4-BE49-F238E27FC236}">
-                <a16:creationId xmlns:a16="http://schemas.microsoft.com/office/drawing/2014/main" id="{1895F453-283E-54B9-4A87-3087622A1DB8}"/>
+                <a16:creationId xmlns:a16="http://schemas.microsoft.com/office/drawing/2014/main" xmlns="" id="{1895F453-283E-54B9-4A87-3087622A1DB8}"/>
               </a:ext>
             </a:extLst>
           </p:cNvPr>
@@ -4136,7 +4225,7 @@
           </p:nvPr>
         </p:nvPicPr>
         <p:blipFill>
-          <a:blip r:embed="rId2"/>
+          <a:blip r:embed="rId2" cstate="print"/>
           <a:stretch>
             <a:fillRect/>
           </a:stretch>
@@ -4153,7 +4242,7 @@
           <p:cNvPr id="6" name="ZoneTexte 5">
             <a:extLst>
               <a:ext uri="{FF2B5EF4-FFF2-40B4-BE49-F238E27FC236}">
-                <a16:creationId xmlns:a16="http://schemas.microsoft.com/office/drawing/2014/main" id="{D2E6EDD4-50D7-3671-F125-979C71F8813D}"/>
+                <a16:creationId xmlns:a16="http://schemas.microsoft.com/office/drawing/2014/main" xmlns="" id="{D2E6EDD4-50D7-3671-F125-979C71F8813D}"/>
               </a:ext>
             </a:extLst>
           </p:cNvPr>
@@ -4190,7 +4279,7 @@
           <p:cNvPr id="8" name="Image 7">
             <a:extLst>
               <a:ext uri="{FF2B5EF4-FFF2-40B4-BE49-F238E27FC236}">
-                <a16:creationId xmlns:a16="http://schemas.microsoft.com/office/drawing/2014/main" id="{B6EB49E3-4DFC-9273-D0D2-101DE1D70349}"/>
+                <a16:creationId xmlns:a16="http://schemas.microsoft.com/office/drawing/2014/main" xmlns="" id="{B6EB49E3-4DFC-9273-D0D2-101DE1D70349}"/>
               </a:ext>
             </a:extLst>
           </p:cNvPr>
@@ -4200,7 +4289,7 @@
           <p:nvPr/>
         </p:nvPicPr>
         <p:blipFill>
-          <a:blip r:embed="rId3"/>
+          <a:blip r:embed="rId3" cstate="print"/>
           <a:stretch>
             <a:fillRect/>
           </a:stretch>
@@ -4218,7 +4307,7 @@
     </p:spTree>
     <p:extLst>
       <p:ext uri="{BB962C8B-B14F-4D97-AF65-F5344CB8AC3E}">
-        <p14:creationId xmlns:p14="http://schemas.microsoft.com/office/powerpoint/2010/main" val="2949344748"/>
+        <p14:creationId xmlns:p14="http://schemas.microsoft.com/office/powerpoint/2010/main" xmlns="" val="2949344748"/>
       </p:ext>
     </p:extLst>
   </p:cSld>
@@ -4271,7 +4360,7 @@
     </a:clrScheme>
     <a:fontScheme name="Office">
       <a:majorFont>
-        <a:latin typeface="Aptos Display" panose="02110004020202020204"/>
+        <a:latin typeface="Aptos Display"/>
         <a:ea typeface=""/>
         <a:cs typeface=""/>
         <a:font script="Jpan" typeface="游ゴシック Light"/>
@@ -4323,7 +4412,7 @@
         <a:font script="Tfng" typeface="Ebrima"/>
       </a:majorFont>
       <a:minorFont>
-        <a:latin typeface="Aptos" panose="02110004020202020204"/>
+        <a:latin typeface="Aptos"/>
         <a:ea typeface=""/>
         <a:cs typeface=""/>
         <a:font script="Jpan" typeface="游ゴシック"/>
@@ -4537,7 +4626,7 @@
   <a:extraClrSchemeLst/>
   <a:extLst>
     <a:ext uri="{05A4C25C-085E-4340-85A3-A5531E510DB2}">
-      <thm15:themeFamily xmlns:thm15="http://schemas.microsoft.com/office/thememl/2012/main" name="Office Theme" id="{2E142A2C-CD16-42D6-873A-C26D2A0506FA}" vid="{1BDDFF52-6CD6-40A5-AB3C-68EB2F1E4D0A}"/>
+      <thm15:themeFamily xmlns:thm15="http://schemas.microsoft.com/office/thememl/2012/main" xmlns="" name="Office Theme" id="{2E142A2C-CD16-42D6-873A-C26D2A0506FA}" vid="{1BDDFF52-6CD6-40A5-AB3C-68EB2F1E4D0A}"/>
     </a:ext>
   </a:extLst>
 </a:theme>
